--- a/MythicalHP.pptx
+++ b/MythicalHP.pptx
@@ -6,6 +6,8 @@
   </p:sldMasterIdLst>
   <p:sldIdLst>
     <p:sldId id="257" r:id="rId2"/>
+    <p:sldId id="258" r:id="rId3"/>
+    <p:sldId id="259" r:id="rId4"/>
   </p:sldIdLst>
   <p:sldSz cx="12192000" cy="6858000"/>
   <p:notesSz cx="6858000" cy="9144000"/>
@@ -104,6 +106,11 @@
       </a:defRPr>
     </a:lvl9pPr>
   </p:defaultTextStyle>
+  <p:extLst>
+    <p:ext uri="{EFAFB233-063F-42B5-8137-9DF3F51BA10A}">
+      <p15:sldGuideLst xmlns:p15="http://schemas.microsoft.com/office/powerpoint/2012/main"/>
+    </p:ext>
+  </p:extLst>
 </p:presentation>
 </file>
 
@@ -5420,6 +5427,2556 @@
 </p:sld>
 </file>
 
+<file path=ppt/slides/slide2.xml><?xml version="1.0" encoding="utf-8"?>
+<p:sld xmlns:a="http://schemas.openxmlformats.org/drawingml/2006/main" xmlns:r="http://schemas.openxmlformats.org/officeDocument/2006/relationships" xmlns:p="http://schemas.openxmlformats.org/presentationml/2006/main">
+  <p:cSld>
+    <p:spTree>
+      <p:nvGrpSpPr>
+        <p:cNvPr id="1" name=""/>
+        <p:cNvGrpSpPr/>
+        <p:nvPr/>
+      </p:nvGrpSpPr>
+      <p:grpSpPr>
+        <a:xfrm>
+          <a:off x="0" y="0"/>
+          <a:ext cx="0" cy="0"/>
+          <a:chOff x="0" y="0"/>
+          <a:chExt cx="0" cy="0"/>
+        </a:xfrm>
+      </p:grpSpPr>
+      <p:pic>
+        <p:nvPicPr>
+          <p:cNvPr id="4" name="Picture 3">
+            <a:extLst>
+              <a:ext uri="{FF2B5EF4-FFF2-40B4-BE49-F238E27FC236}">
+                <a16:creationId xmlns:a16="http://schemas.microsoft.com/office/drawing/2014/main" id="{BE271739-25A7-9B46-96C3-CF90F9A31485}"/>
+              </a:ext>
+            </a:extLst>
+          </p:cNvPr>
+          <p:cNvPicPr>
+            <a:picLocks noChangeAspect="1"/>
+          </p:cNvPicPr>
+          <p:nvPr/>
+        </p:nvPicPr>
+        <p:blipFill rotWithShape="1">
+          <a:blip r:embed="rId2"/>
+          <a:srcRect l="23328" r="23147"/>
+          <a:stretch/>
+        </p:blipFill>
+        <p:spPr>
+          <a:xfrm>
+            <a:off x="5584371" y="816054"/>
+            <a:ext cx="805543" cy="787400"/>
+          </a:xfrm>
+          <a:prstGeom prst="rect">
+            <a:avLst/>
+          </a:prstGeom>
+        </p:spPr>
+      </p:pic>
+      <p:pic>
+        <p:nvPicPr>
+          <p:cNvPr id="5" name="Picture 4">
+            <a:extLst>
+              <a:ext uri="{FF2B5EF4-FFF2-40B4-BE49-F238E27FC236}">
+                <a16:creationId xmlns:a16="http://schemas.microsoft.com/office/drawing/2014/main" id="{EC77BF3F-6C00-EE4D-92EB-3CA110B1A92A}"/>
+              </a:ext>
+            </a:extLst>
+          </p:cNvPr>
+          <p:cNvPicPr>
+            <a:picLocks noChangeAspect="1"/>
+          </p:cNvPicPr>
+          <p:nvPr/>
+        </p:nvPicPr>
+        <p:blipFill>
+          <a:blip r:embed="rId3"/>
+          <a:stretch>
+            <a:fillRect/>
+          </a:stretch>
+        </p:blipFill>
+        <p:spPr>
+          <a:xfrm>
+            <a:off x="7389703" y="3602983"/>
+            <a:ext cx="956072" cy="838200"/>
+          </a:xfrm>
+          <a:prstGeom prst="rect">
+            <a:avLst/>
+          </a:prstGeom>
+        </p:spPr>
+      </p:pic>
+      <p:pic>
+        <p:nvPicPr>
+          <p:cNvPr id="6" name="Picture 5">
+            <a:extLst>
+              <a:ext uri="{FF2B5EF4-FFF2-40B4-BE49-F238E27FC236}">
+                <a16:creationId xmlns:a16="http://schemas.microsoft.com/office/drawing/2014/main" id="{8EF1B78A-573B-A149-B996-4AB2D826F96D}"/>
+              </a:ext>
+            </a:extLst>
+          </p:cNvPr>
+          <p:cNvPicPr>
+            <a:picLocks noChangeAspect="1"/>
+          </p:cNvPicPr>
+          <p:nvPr/>
+        </p:nvPicPr>
+        <p:blipFill>
+          <a:blip r:embed="rId3"/>
+          <a:stretch>
+            <a:fillRect/>
+          </a:stretch>
+        </p:blipFill>
+        <p:spPr>
+          <a:xfrm>
+            <a:off x="3282098" y="3602983"/>
+            <a:ext cx="956072" cy="838200"/>
+          </a:xfrm>
+          <a:prstGeom prst="rect">
+            <a:avLst/>
+          </a:prstGeom>
+        </p:spPr>
+      </p:pic>
+      <p:cxnSp>
+        <p:nvCxnSpPr>
+          <p:cNvPr id="8" name="Elbow Connector 7">
+            <a:extLst>
+              <a:ext uri="{FF2B5EF4-FFF2-40B4-BE49-F238E27FC236}">
+                <a16:creationId xmlns:a16="http://schemas.microsoft.com/office/drawing/2014/main" id="{330A5B60-1CB5-3D4E-BEB3-8AD392BB631C}"/>
+              </a:ext>
+            </a:extLst>
+          </p:cNvPr>
+          <p:cNvCxnSpPr>
+            <a:cxnSpLocks/>
+            <a:stCxn id="4" idx="3"/>
+            <a:endCxn id="5" idx="0"/>
+          </p:cNvCxnSpPr>
+          <p:nvPr/>
+        </p:nvCxnSpPr>
+        <p:spPr>
+          <a:xfrm>
+            <a:off x="6389914" y="1209754"/>
+            <a:ext cx="1477825" cy="2393229"/>
+          </a:xfrm>
+          <a:prstGeom prst="bentConnector2">
+            <a:avLst/>
+          </a:prstGeom>
+          <a:ln>
+            <a:tailEnd type="triangle"/>
+          </a:ln>
+        </p:spPr>
+        <p:style>
+          <a:lnRef idx="1">
+            <a:schemeClr val="accent1"/>
+          </a:lnRef>
+          <a:fillRef idx="0">
+            <a:schemeClr val="accent1"/>
+          </a:fillRef>
+          <a:effectRef idx="0">
+            <a:schemeClr val="accent1"/>
+          </a:effectRef>
+          <a:fontRef idx="minor">
+            <a:schemeClr val="tx1"/>
+          </a:fontRef>
+        </p:style>
+      </p:cxnSp>
+      <p:cxnSp>
+        <p:nvCxnSpPr>
+          <p:cNvPr id="11" name="Elbow Connector 10">
+            <a:extLst>
+              <a:ext uri="{FF2B5EF4-FFF2-40B4-BE49-F238E27FC236}">
+                <a16:creationId xmlns:a16="http://schemas.microsoft.com/office/drawing/2014/main" id="{34B1F70E-5752-EA40-9980-248C01A75998}"/>
+              </a:ext>
+            </a:extLst>
+          </p:cNvPr>
+          <p:cNvCxnSpPr>
+            <a:cxnSpLocks/>
+            <a:stCxn id="4" idx="1"/>
+            <a:endCxn id="6" idx="0"/>
+          </p:cNvCxnSpPr>
+          <p:nvPr/>
+        </p:nvCxnSpPr>
+        <p:spPr>
+          <a:xfrm rot="10800000" flipV="1">
+            <a:off x="3760135" y="1209753"/>
+            <a:ext cx="1824237" cy="2393229"/>
+          </a:xfrm>
+          <a:prstGeom prst="bentConnector2">
+            <a:avLst/>
+          </a:prstGeom>
+          <a:ln>
+            <a:tailEnd type="triangle"/>
+          </a:ln>
+        </p:spPr>
+        <p:style>
+          <a:lnRef idx="1">
+            <a:schemeClr val="accent1"/>
+          </a:lnRef>
+          <a:fillRef idx="0">
+            <a:schemeClr val="accent1"/>
+          </a:fillRef>
+          <a:effectRef idx="0">
+            <a:schemeClr val="accent1"/>
+          </a:effectRef>
+          <a:fontRef idx="minor">
+            <a:schemeClr val="tx1"/>
+          </a:fontRef>
+        </p:style>
+      </p:cxnSp>
+      <p:sp>
+        <p:nvSpPr>
+          <p:cNvPr id="16" name="TextBox 15">
+            <a:extLst>
+              <a:ext uri="{FF2B5EF4-FFF2-40B4-BE49-F238E27FC236}">
+                <a16:creationId xmlns:a16="http://schemas.microsoft.com/office/drawing/2014/main" id="{1D2ECCCC-AC80-B24C-BF9E-13B8EBBC408D}"/>
+              </a:ext>
+            </a:extLst>
+          </p:cNvPr>
+          <p:cNvSpPr txBox="1"/>
+          <p:nvPr/>
+        </p:nvSpPr>
+        <p:spPr>
+          <a:xfrm>
+            <a:off x="3375339" y="4506454"/>
+            <a:ext cx="957943" cy="369332"/>
+          </a:xfrm>
+          <a:prstGeom prst="rect">
+            <a:avLst/>
+          </a:prstGeom>
+          <a:noFill/>
+        </p:spPr>
+        <p:txBody>
+          <a:bodyPr wrap="square" rtlCol="0">
+            <a:spAutoFit/>
+          </a:bodyPr>
+          <a:lstStyle/>
+          <a:p>
+            <a:r>
+              <a:rPr lang="en-US" dirty="0"/>
+              <a:t>vmONE</a:t>
+            </a:r>
+          </a:p>
+        </p:txBody>
+      </p:sp>
+      <p:sp>
+        <p:nvSpPr>
+          <p:cNvPr id="17" name="TextBox 16">
+            <a:extLst>
+              <a:ext uri="{FF2B5EF4-FFF2-40B4-BE49-F238E27FC236}">
+                <a16:creationId xmlns:a16="http://schemas.microsoft.com/office/drawing/2014/main" id="{BBDB4689-E6F2-8749-8B5E-C6E97BE119F6}"/>
+              </a:ext>
+            </a:extLst>
+          </p:cNvPr>
+          <p:cNvSpPr txBox="1"/>
+          <p:nvPr/>
+        </p:nvSpPr>
+        <p:spPr>
+          <a:xfrm>
+            <a:off x="7489542" y="4506454"/>
+            <a:ext cx="957943" cy="369332"/>
+          </a:xfrm>
+          <a:prstGeom prst="rect">
+            <a:avLst/>
+          </a:prstGeom>
+          <a:noFill/>
+        </p:spPr>
+        <p:txBody>
+          <a:bodyPr wrap="square" rtlCol="0">
+            <a:spAutoFit/>
+          </a:bodyPr>
+          <a:lstStyle/>
+          <a:p>
+            <a:r>
+              <a:rPr lang="en-US" dirty="0"/>
+              <a:t>vmTWO</a:t>
+            </a:r>
+          </a:p>
+        </p:txBody>
+      </p:sp>
+      <p:sp>
+        <p:nvSpPr>
+          <p:cNvPr id="18" name="Hexagon 17">
+            <a:extLst>
+              <a:ext uri="{FF2B5EF4-FFF2-40B4-BE49-F238E27FC236}">
+                <a16:creationId xmlns:a16="http://schemas.microsoft.com/office/drawing/2014/main" id="{66B5A27E-3988-124C-B305-F2436E083709}"/>
+              </a:ext>
+            </a:extLst>
+          </p:cNvPr>
+          <p:cNvSpPr/>
+          <p:nvPr/>
+        </p:nvSpPr>
+        <p:spPr>
+          <a:xfrm>
+            <a:off x="8414999" y="3621973"/>
+            <a:ext cx="315685" cy="263587"/>
+          </a:xfrm>
+          <a:prstGeom prst="hexagon">
+            <a:avLst/>
+          </a:prstGeom>
+        </p:spPr>
+        <p:style>
+          <a:lnRef idx="2">
+            <a:schemeClr val="accent1">
+              <a:shade val="50000"/>
+            </a:schemeClr>
+          </a:lnRef>
+          <a:fillRef idx="1">
+            <a:schemeClr val="accent1"/>
+          </a:fillRef>
+          <a:effectRef idx="0">
+            <a:schemeClr val="accent1"/>
+          </a:effectRef>
+          <a:fontRef idx="minor">
+            <a:schemeClr val="lt1"/>
+          </a:fontRef>
+        </p:style>
+        <p:txBody>
+          <a:bodyPr rtlCol="0" anchor="ctr"/>
+          <a:lstStyle/>
+          <a:p>
+            <a:pPr algn="ctr"/>
+            <a:endParaRPr lang="en-US"/>
+          </a:p>
+        </p:txBody>
+      </p:sp>
+      <p:sp>
+        <p:nvSpPr>
+          <p:cNvPr id="19" name="TextBox 18">
+            <a:extLst>
+              <a:ext uri="{FF2B5EF4-FFF2-40B4-BE49-F238E27FC236}">
+                <a16:creationId xmlns:a16="http://schemas.microsoft.com/office/drawing/2014/main" id="{5BF1088D-10D3-454A-88B1-6C837B4E3633}"/>
+              </a:ext>
+            </a:extLst>
+          </p:cNvPr>
+          <p:cNvSpPr txBox="1"/>
+          <p:nvPr/>
+        </p:nvSpPr>
+        <p:spPr>
+          <a:xfrm>
+            <a:off x="8801333" y="3577783"/>
+            <a:ext cx="1743473" cy="307777"/>
+          </a:xfrm>
+          <a:prstGeom prst="rect">
+            <a:avLst/>
+          </a:prstGeom>
+          <a:noFill/>
+        </p:spPr>
+        <p:txBody>
+          <a:bodyPr wrap="square" rtlCol="0">
+            <a:spAutoFit/>
+          </a:bodyPr>
+          <a:lstStyle/>
+          <a:p>
+            <a:r>
+              <a:rPr lang="en-US" sz="1400" dirty="0"/>
+              <a:t>http://v.x.y.z/</a:t>
+            </a:r>
+          </a:p>
+        </p:txBody>
+      </p:sp>
+      <p:sp>
+        <p:nvSpPr>
+          <p:cNvPr id="20" name="Hexagon 19">
+            <a:extLst>
+              <a:ext uri="{FF2B5EF4-FFF2-40B4-BE49-F238E27FC236}">
+                <a16:creationId xmlns:a16="http://schemas.microsoft.com/office/drawing/2014/main" id="{862EE62C-7084-0843-8FBA-69116D9BBAAF}"/>
+              </a:ext>
+            </a:extLst>
+          </p:cNvPr>
+          <p:cNvSpPr/>
+          <p:nvPr/>
+        </p:nvSpPr>
+        <p:spPr>
+          <a:xfrm>
+            <a:off x="8427643" y="4112862"/>
+            <a:ext cx="315685" cy="263587"/>
+          </a:xfrm>
+          <a:prstGeom prst="hexagon">
+            <a:avLst/>
+          </a:prstGeom>
+        </p:spPr>
+        <p:style>
+          <a:lnRef idx="2">
+            <a:schemeClr val="accent1">
+              <a:shade val="50000"/>
+            </a:schemeClr>
+          </a:lnRef>
+          <a:fillRef idx="1">
+            <a:schemeClr val="accent1"/>
+          </a:fillRef>
+          <a:effectRef idx="0">
+            <a:schemeClr val="accent1"/>
+          </a:effectRef>
+          <a:fontRef idx="minor">
+            <a:schemeClr val="lt1"/>
+          </a:fontRef>
+        </p:style>
+        <p:txBody>
+          <a:bodyPr rtlCol="0" anchor="ctr"/>
+          <a:lstStyle/>
+          <a:p>
+            <a:pPr algn="ctr"/>
+            <a:endParaRPr lang="en-US"/>
+          </a:p>
+        </p:txBody>
+      </p:sp>
+      <p:sp>
+        <p:nvSpPr>
+          <p:cNvPr id="21" name="TextBox 20">
+            <a:extLst>
+              <a:ext uri="{FF2B5EF4-FFF2-40B4-BE49-F238E27FC236}">
+                <a16:creationId xmlns:a16="http://schemas.microsoft.com/office/drawing/2014/main" id="{0C2C4E28-215B-C44A-88A8-BBF001E59A73}"/>
+              </a:ext>
+            </a:extLst>
+          </p:cNvPr>
+          <p:cNvSpPr txBox="1"/>
+          <p:nvPr/>
+        </p:nvSpPr>
+        <p:spPr>
+          <a:xfrm>
+            <a:off x="8801333" y="4133406"/>
+            <a:ext cx="2917372" cy="307777"/>
+          </a:xfrm>
+          <a:prstGeom prst="rect">
+            <a:avLst/>
+          </a:prstGeom>
+          <a:noFill/>
+        </p:spPr>
+        <p:txBody>
+          <a:bodyPr wrap="square" rtlCol="0">
+            <a:spAutoFit/>
+          </a:bodyPr>
+          <a:lstStyle/>
+          <a:p>
+            <a:r>
+              <a:rPr lang="en-US" sz="1400" dirty="0"/>
+              <a:t>http:// v.x.y.z/healthprobe</a:t>
+            </a:r>
+          </a:p>
+        </p:txBody>
+      </p:sp>
+      <p:sp>
+        <p:nvSpPr>
+          <p:cNvPr id="22" name="Hexagon 21">
+            <a:extLst>
+              <a:ext uri="{FF2B5EF4-FFF2-40B4-BE49-F238E27FC236}">
+                <a16:creationId xmlns:a16="http://schemas.microsoft.com/office/drawing/2014/main" id="{0C31BF03-342D-2446-935B-AC430FC41C50}"/>
+              </a:ext>
+            </a:extLst>
+          </p:cNvPr>
+          <p:cNvSpPr/>
+          <p:nvPr/>
+        </p:nvSpPr>
+        <p:spPr>
+          <a:xfrm>
+            <a:off x="821696" y="3695986"/>
+            <a:ext cx="315685" cy="263587"/>
+          </a:xfrm>
+          <a:prstGeom prst="hexagon">
+            <a:avLst/>
+          </a:prstGeom>
+        </p:spPr>
+        <p:style>
+          <a:lnRef idx="2">
+            <a:schemeClr val="accent1">
+              <a:shade val="50000"/>
+            </a:schemeClr>
+          </a:lnRef>
+          <a:fillRef idx="1">
+            <a:schemeClr val="accent1"/>
+          </a:fillRef>
+          <a:effectRef idx="0">
+            <a:schemeClr val="accent1"/>
+          </a:effectRef>
+          <a:fontRef idx="minor">
+            <a:schemeClr val="lt1"/>
+          </a:fontRef>
+        </p:style>
+        <p:txBody>
+          <a:bodyPr rtlCol="0" anchor="ctr"/>
+          <a:lstStyle/>
+          <a:p>
+            <a:pPr algn="ctr"/>
+            <a:endParaRPr lang="en-US"/>
+          </a:p>
+        </p:txBody>
+      </p:sp>
+      <p:sp>
+        <p:nvSpPr>
+          <p:cNvPr id="23" name="TextBox 22">
+            <a:extLst>
+              <a:ext uri="{FF2B5EF4-FFF2-40B4-BE49-F238E27FC236}">
+                <a16:creationId xmlns:a16="http://schemas.microsoft.com/office/drawing/2014/main" id="{0BE091B3-4622-E14F-8CFD-FD9AA67A0FC5}"/>
+              </a:ext>
+            </a:extLst>
+          </p:cNvPr>
+          <p:cNvSpPr txBox="1"/>
+          <p:nvPr/>
+        </p:nvSpPr>
+        <p:spPr>
+          <a:xfrm>
+            <a:off x="1259082" y="3673892"/>
+            <a:ext cx="1743473" cy="307777"/>
+          </a:xfrm>
+          <a:prstGeom prst="rect">
+            <a:avLst/>
+          </a:prstGeom>
+          <a:noFill/>
+        </p:spPr>
+        <p:txBody>
+          <a:bodyPr wrap="square" rtlCol="0">
+            <a:spAutoFit/>
+          </a:bodyPr>
+          <a:lstStyle/>
+          <a:p>
+            <a:r>
+              <a:rPr lang="en-US" sz="1400" dirty="0"/>
+              <a:t>http://a.b.c.d/</a:t>
+            </a:r>
+          </a:p>
+        </p:txBody>
+      </p:sp>
+      <p:sp>
+        <p:nvSpPr>
+          <p:cNvPr id="24" name="Hexagon 23">
+            <a:extLst>
+              <a:ext uri="{FF2B5EF4-FFF2-40B4-BE49-F238E27FC236}">
+                <a16:creationId xmlns:a16="http://schemas.microsoft.com/office/drawing/2014/main" id="{3D84635B-9D22-CF45-AC31-D94604DD7D0C}"/>
+              </a:ext>
+            </a:extLst>
+          </p:cNvPr>
+          <p:cNvSpPr/>
+          <p:nvPr/>
+        </p:nvSpPr>
+        <p:spPr>
+          <a:xfrm>
+            <a:off x="814669" y="4074672"/>
+            <a:ext cx="315685" cy="263587"/>
+          </a:xfrm>
+          <a:prstGeom prst="hexagon">
+            <a:avLst/>
+          </a:prstGeom>
+        </p:spPr>
+        <p:style>
+          <a:lnRef idx="2">
+            <a:schemeClr val="accent1">
+              <a:shade val="50000"/>
+            </a:schemeClr>
+          </a:lnRef>
+          <a:fillRef idx="1">
+            <a:schemeClr val="accent1"/>
+          </a:fillRef>
+          <a:effectRef idx="0">
+            <a:schemeClr val="accent1"/>
+          </a:effectRef>
+          <a:fontRef idx="minor">
+            <a:schemeClr val="lt1"/>
+          </a:fontRef>
+        </p:style>
+        <p:txBody>
+          <a:bodyPr rtlCol="0" anchor="ctr"/>
+          <a:lstStyle/>
+          <a:p>
+            <a:pPr algn="ctr"/>
+            <a:endParaRPr lang="en-US"/>
+          </a:p>
+        </p:txBody>
+      </p:sp>
+      <p:sp>
+        <p:nvSpPr>
+          <p:cNvPr id="25" name="TextBox 24">
+            <a:extLst>
+              <a:ext uri="{FF2B5EF4-FFF2-40B4-BE49-F238E27FC236}">
+                <a16:creationId xmlns:a16="http://schemas.microsoft.com/office/drawing/2014/main" id="{4A75955D-8EE8-6045-A5A2-5B20967C760C}"/>
+              </a:ext>
+            </a:extLst>
+          </p:cNvPr>
+          <p:cNvSpPr txBox="1"/>
+          <p:nvPr/>
+        </p:nvSpPr>
+        <p:spPr>
+          <a:xfrm>
+            <a:off x="1259082" y="4052578"/>
+            <a:ext cx="2195328" cy="307777"/>
+          </a:xfrm>
+          <a:prstGeom prst="rect">
+            <a:avLst/>
+          </a:prstGeom>
+          <a:noFill/>
+        </p:spPr>
+        <p:txBody>
+          <a:bodyPr wrap="square" rtlCol="0">
+            <a:spAutoFit/>
+          </a:bodyPr>
+          <a:lstStyle/>
+          <a:p>
+            <a:r>
+              <a:rPr lang="en-US" sz="1400" dirty="0"/>
+              <a:t>http://a.b.c.d/healthprobe</a:t>
+            </a:r>
+          </a:p>
+        </p:txBody>
+      </p:sp>
+    </p:spTree>
+    <p:extLst>
+      <p:ext uri="{BB962C8B-B14F-4D97-AF65-F5344CB8AC3E}">
+        <p14:creationId xmlns:p14="http://schemas.microsoft.com/office/powerpoint/2010/main" val="1811723561"/>
+      </p:ext>
+    </p:extLst>
+  </p:cSld>
+  <p:clrMapOvr>
+    <a:masterClrMapping/>
+  </p:clrMapOvr>
+</p:sld>
+</file>
+
+<file path=ppt/slides/slide3.xml><?xml version="1.0" encoding="utf-8"?>
+<p:sld xmlns:a="http://schemas.openxmlformats.org/drawingml/2006/main" xmlns:r="http://schemas.openxmlformats.org/officeDocument/2006/relationships" xmlns:p="http://schemas.openxmlformats.org/presentationml/2006/main">
+  <p:cSld>
+    <p:spTree>
+      <p:nvGrpSpPr>
+        <p:cNvPr id="1" name=""/>
+        <p:cNvGrpSpPr/>
+        <p:nvPr/>
+      </p:nvGrpSpPr>
+      <p:grpSpPr>
+        <a:xfrm>
+          <a:off x="0" y="0"/>
+          <a:ext cx="0" cy="0"/>
+          <a:chOff x="0" y="0"/>
+          <a:chExt cx="0" cy="0"/>
+        </a:xfrm>
+      </p:grpSpPr>
+      <p:sp>
+        <p:nvSpPr>
+          <p:cNvPr id="27" name="Rectangle 26">
+            <a:extLst>
+              <a:ext uri="{FF2B5EF4-FFF2-40B4-BE49-F238E27FC236}">
+                <a16:creationId xmlns:a16="http://schemas.microsoft.com/office/drawing/2014/main" id="{81BCC03C-C4B8-6D44-9C45-74E0B92E3559}"/>
+              </a:ext>
+            </a:extLst>
+          </p:cNvPr>
+          <p:cNvSpPr/>
+          <p:nvPr/>
+        </p:nvSpPr>
+        <p:spPr>
+          <a:xfrm>
+            <a:off x="3178514" y="18657"/>
+            <a:ext cx="1393373" cy="616408"/>
+          </a:xfrm>
+          <a:prstGeom prst="rect">
+            <a:avLst/>
+          </a:prstGeom>
+          <a:solidFill>
+            <a:srgbClr val="C00000"/>
+          </a:solidFill>
+        </p:spPr>
+        <p:style>
+          <a:lnRef idx="2">
+            <a:schemeClr val="accent1">
+              <a:shade val="50000"/>
+            </a:schemeClr>
+          </a:lnRef>
+          <a:fillRef idx="1">
+            <a:schemeClr val="accent1"/>
+          </a:fillRef>
+          <a:effectRef idx="0">
+            <a:schemeClr val="accent1"/>
+          </a:effectRef>
+          <a:fontRef idx="minor">
+            <a:schemeClr val="lt1"/>
+          </a:fontRef>
+        </p:style>
+        <p:txBody>
+          <a:bodyPr rtlCol="0" anchor="ctr"/>
+          <a:lstStyle/>
+          <a:p>
+            <a:pPr algn="ctr"/>
+            <a:r>
+              <a:rPr lang="en-US" sz="1400" dirty="0"/>
+              <a:t>LoadBalancer</a:t>
+            </a:r>
+          </a:p>
+        </p:txBody>
+      </p:sp>
+      <p:sp>
+        <p:nvSpPr>
+          <p:cNvPr id="28" name="Rectangle 27">
+            <a:extLst>
+              <a:ext uri="{FF2B5EF4-FFF2-40B4-BE49-F238E27FC236}">
+                <a16:creationId xmlns:a16="http://schemas.microsoft.com/office/drawing/2014/main" id="{B4F59CD1-4F33-1B49-83F9-60A2359DF3B6}"/>
+              </a:ext>
+            </a:extLst>
+          </p:cNvPr>
+          <p:cNvSpPr/>
+          <p:nvPr/>
+        </p:nvSpPr>
+        <p:spPr>
+          <a:xfrm>
+            <a:off x="5293858" y="18657"/>
+            <a:ext cx="1393373" cy="616408"/>
+          </a:xfrm>
+          <a:prstGeom prst="rect">
+            <a:avLst/>
+          </a:prstGeom>
+          <a:solidFill>
+            <a:srgbClr val="7030A0"/>
+          </a:solidFill>
+        </p:spPr>
+        <p:style>
+          <a:lnRef idx="2">
+            <a:schemeClr val="accent1">
+              <a:shade val="50000"/>
+            </a:schemeClr>
+          </a:lnRef>
+          <a:fillRef idx="1">
+            <a:schemeClr val="accent1"/>
+          </a:fillRef>
+          <a:effectRef idx="0">
+            <a:schemeClr val="accent1"/>
+          </a:effectRef>
+          <a:fontRef idx="minor">
+            <a:schemeClr val="lt1"/>
+          </a:fontRef>
+        </p:style>
+        <p:txBody>
+          <a:bodyPr rtlCol="0" anchor="ctr"/>
+          <a:lstStyle/>
+          <a:p>
+            <a:pPr algn="ctr"/>
+            <a:r>
+              <a:rPr lang="en-US" sz="1400" dirty="0"/>
+              <a:t>vmONE (Agent)</a:t>
+            </a:r>
+          </a:p>
+          <a:p>
+            <a:pPr algn="ctr"/>
+            <a:r>
+              <a:rPr lang="en-US" sz="1400" dirty="0"/>
+              <a:t>Primary</a:t>
+            </a:r>
+          </a:p>
+        </p:txBody>
+      </p:sp>
+      <p:sp>
+        <p:nvSpPr>
+          <p:cNvPr id="29" name="Rectangle 28">
+            <a:extLst>
+              <a:ext uri="{FF2B5EF4-FFF2-40B4-BE49-F238E27FC236}">
+                <a16:creationId xmlns:a16="http://schemas.microsoft.com/office/drawing/2014/main" id="{89B98325-A93D-474C-BB38-FAD3577A57D0}"/>
+              </a:ext>
+            </a:extLst>
+          </p:cNvPr>
+          <p:cNvSpPr/>
+          <p:nvPr/>
+        </p:nvSpPr>
+        <p:spPr>
+          <a:xfrm>
+            <a:off x="8954892" y="15655"/>
+            <a:ext cx="1393373" cy="616408"/>
+          </a:xfrm>
+          <a:prstGeom prst="rect">
+            <a:avLst/>
+          </a:prstGeom>
+          <a:solidFill>
+            <a:srgbClr val="7030A0"/>
+          </a:solidFill>
+        </p:spPr>
+        <p:style>
+          <a:lnRef idx="2">
+            <a:schemeClr val="accent1">
+              <a:shade val="50000"/>
+            </a:schemeClr>
+          </a:lnRef>
+          <a:fillRef idx="1">
+            <a:schemeClr val="accent1"/>
+          </a:fillRef>
+          <a:effectRef idx="0">
+            <a:schemeClr val="accent1"/>
+          </a:effectRef>
+          <a:fontRef idx="minor">
+            <a:schemeClr val="lt1"/>
+          </a:fontRef>
+        </p:style>
+        <p:txBody>
+          <a:bodyPr rtlCol="0" anchor="ctr"/>
+          <a:lstStyle/>
+          <a:p>
+            <a:pPr algn="ctr"/>
+            <a:r>
+              <a:rPr lang="en-US" sz="1400" dirty="0"/>
+              <a:t>vmTWO (Agent)</a:t>
+            </a:r>
+          </a:p>
+          <a:p>
+            <a:pPr algn="ctr"/>
+            <a:r>
+              <a:rPr lang="en-US" sz="1400" dirty="0"/>
+              <a:t>Secondary</a:t>
+            </a:r>
+          </a:p>
+        </p:txBody>
+      </p:sp>
+      <p:cxnSp>
+        <p:nvCxnSpPr>
+          <p:cNvPr id="31" name="Straight Connector 30">
+            <a:extLst>
+              <a:ext uri="{FF2B5EF4-FFF2-40B4-BE49-F238E27FC236}">
+                <a16:creationId xmlns:a16="http://schemas.microsoft.com/office/drawing/2014/main" id="{AC305BCE-6B9A-0C44-9D90-A6B50FC2F03D}"/>
+              </a:ext>
+            </a:extLst>
+          </p:cNvPr>
+          <p:cNvCxnSpPr>
+            <a:cxnSpLocks/>
+            <a:stCxn id="27" idx="2"/>
+          </p:cNvCxnSpPr>
+          <p:nvPr/>
+        </p:nvCxnSpPr>
+        <p:spPr>
+          <a:xfrm>
+            <a:off x="3875201" y="635065"/>
+            <a:ext cx="25294" cy="5964792"/>
+          </a:xfrm>
+          <a:prstGeom prst="line">
+            <a:avLst/>
+          </a:prstGeom>
+        </p:spPr>
+        <p:style>
+          <a:lnRef idx="1">
+            <a:schemeClr val="accent1"/>
+          </a:lnRef>
+          <a:fillRef idx="0">
+            <a:schemeClr val="accent1"/>
+          </a:fillRef>
+          <a:effectRef idx="0">
+            <a:schemeClr val="accent1"/>
+          </a:effectRef>
+          <a:fontRef idx="minor">
+            <a:schemeClr val="tx1"/>
+          </a:fontRef>
+        </p:style>
+      </p:cxnSp>
+      <p:cxnSp>
+        <p:nvCxnSpPr>
+          <p:cNvPr id="32" name="Straight Connector 31">
+            <a:extLst>
+              <a:ext uri="{FF2B5EF4-FFF2-40B4-BE49-F238E27FC236}">
+                <a16:creationId xmlns:a16="http://schemas.microsoft.com/office/drawing/2014/main" id="{BBFEF06A-6C9C-AD44-BE31-BBDBF3746FBF}"/>
+              </a:ext>
+            </a:extLst>
+          </p:cNvPr>
+          <p:cNvCxnSpPr>
+            <a:cxnSpLocks/>
+          </p:cNvCxnSpPr>
+          <p:nvPr/>
+        </p:nvCxnSpPr>
+        <p:spPr>
+          <a:xfrm>
+            <a:off x="6012313" y="421428"/>
+            <a:ext cx="20239" cy="6178429"/>
+          </a:xfrm>
+          <a:prstGeom prst="line">
+            <a:avLst/>
+          </a:prstGeom>
+        </p:spPr>
+        <p:style>
+          <a:lnRef idx="1">
+            <a:schemeClr val="accent1"/>
+          </a:lnRef>
+          <a:fillRef idx="0">
+            <a:schemeClr val="accent1"/>
+          </a:fillRef>
+          <a:effectRef idx="0">
+            <a:schemeClr val="accent1"/>
+          </a:effectRef>
+          <a:fontRef idx="minor">
+            <a:schemeClr val="tx1"/>
+          </a:fontRef>
+        </p:style>
+      </p:cxnSp>
+      <p:cxnSp>
+        <p:nvCxnSpPr>
+          <p:cNvPr id="33" name="Straight Connector 32">
+            <a:extLst>
+              <a:ext uri="{FF2B5EF4-FFF2-40B4-BE49-F238E27FC236}">
+                <a16:creationId xmlns:a16="http://schemas.microsoft.com/office/drawing/2014/main" id="{751061CB-D18E-FD40-A086-C09B2AA55A25}"/>
+              </a:ext>
+            </a:extLst>
+          </p:cNvPr>
+          <p:cNvCxnSpPr>
+            <a:cxnSpLocks/>
+          </p:cNvCxnSpPr>
+          <p:nvPr/>
+        </p:nvCxnSpPr>
+        <p:spPr>
+          <a:xfrm>
+            <a:off x="9651578" y="418425"/>
+            <a:ext cx="46810" cy="6197087"/>
+          </a:xfrm>
+          <a:prstGeom prst="line">
+            <a:avLst/>
+          </a:prstGeom>
+        </p:spPr>
+        <p:style>
+          <a:lnRef idx="1">
+            <a:schemeClr val="accent1"/>
+          </a:lnRef>
+          <a:fillRef idx="0">
+            <a:schemeClr val="accent1"/>
+          </a:fillRef>
+          <a:effectRef idx="0">
+            <a:schemeClr val="accent1"/>
+          </a:effectRef>
+          <a:fontRef idx="minor">
+            <a:schemeClr val="tx1"/>
+          </a:fontRef>
+        </p:style>
+      </p:cxnSp>
+      <p:sp>
+        <p:nvSpPr>
+          <p:cNvPr id="34" name="Rectangle 33">
+            <a:extLst>
+              <a:ext uri="{FF2B5EF4-FFF2-40B4-BE49-F238E27FC236}">
+                <a16:creationId xmlns:a16="http://schemas.microsoft.com/office/drawing/2014/main" id="{B0EC3B36-9EAF-544D-8A43-6304248D8489}"/>
+              </a:ext>
+            </a:extLst>
+          </p:cNvPr>
+          <p:cNvSpPr/>
+          <p:nvPr/>
+        </p:nvSpPr>
+        <p:spPr>
+          <a:xfrm>
+            <a:off x="3695584" y="917943"/>
+            <a:ext cx="315686" cy="1823313"/>
+          </a:xfrm>
+          <a:prstGeom prst="rect">
+            <a:avLst/>
+          </a:prstGeom>
+          <a:solidFill>
+            <a:schemeClr val="bg2"/>
+          </a:solidFill>
+        </p:spPr>
+        <p:style>
+          <a:lnRef idx="2">
+            <a:schemeClr val="accent1">
+              <a:shade val="50000"/>
+            </a:schemeClr>
+          </a:lnRef>
+          <a:fillRef idx="1">
+            <a:schemeClr val="accent1"/>
+          </a:fillRef>
+          <a:effectRef idx="0">
+            <a:schemeClr val="accent1"/>
+          </a:effectRef>
+          <a:fontRef idx="minor">
+            <a:schemeClr val="lt1"/>
+          </a:fontRef>
+        </p:style>
+        <p:txBody>
+          <a:bodyPr rtlCol="0" anchor="ctr"/>
+          <a:lstStyle/>
+          <a:p>
+            <a:pPr algn="ctr"/>
+            <a:endParaRPr lang="en-US"/>
+          </a:p>
+        </p:txBody>
+      </p:sp>
+      <p:sp>
+        <p:nvSpPr>
+          <p:cNvPr id="35" name="Rectangle 34">
+            <a:extLst>
+              <a:ext uri="{FF2B5EF4-FFF2-40B4-BE49-F238E27FC236}">
+                <a16:creationId xmlns:a16="http://schemas.microsoft.com/office/drawing/2014/main" id="{60493066-102E-0B43-857F-0D813A886F2F}"/>
+              </a:ext>
+            </a:extLst>
+          </p:cNvPr>
+          <p:cNvSpPr/>
+          <p:nvPr/>
+        </p:nvSpPr>
+        <p:spPr>
+          <a:xfrm>
+            <a:off x="5843764" y="1032114"/>
+            <a:ext cx="315686" cy="1414992"/>
+          </a:xfrm>
+          <a:prstGeom prst="rect">
+            <a:avLst/>
+          </a:prstGeom>
+          <a:solidFill>
+            <a:schemeClr val="bg2"/>
+          </a:solidFill>
+        </p:spPr>
+        <p:style>
+          <a:lnRef idx="2">
+            <a:schemeClr val="accent1">
+              <a:shade val="50000"/>
+            </a:schemeClr>
+          </a:lnRef>
+          <a:fillRef idx="1">
+            <a:schemeClr val="accent1"/>
+          </a:fillRef>
+          <a:effectRef idx="0">
+            <a:schemeClr val="accent1"/>
+          </a:effectRef>
+          <a:fontRef idx="minor">
+            <a:schemeClr val="lt1"/>
+          </a:fontRef>
+        </p:style>
+        <p:txBody>
+          <a:bodyPr rtlCol="0" anchor="ctr"/>
+          <a:lstStyle/>
+          <a:p>
+            <a:pPr algn="ctr"/>
+            <a:endParaRPr lang="en-US"/>
+          </a:p>
+        </p:txBody>
+      </p:sp>
+      <p:cxnSp>
+        <p:nvCxnSpPr>
+          <p:cNvPr id="37" name="Straight Arrow Connector 36">
+            <a:extLst>
+              <a:ext uri="{FF2B5EF4-FFF2-40B4-BE49-F238E27FC236}">
+                <a16:creationId xmlns:a16="http://schemas.microsoft.com/office/drawing/2014/main" id="{5A8181E4-EA72-F443-92CC-C443EBFE770A}"/>
+              </a:ext>
+            </a:extLst>
+          </p:cNvPr>
+          <p:cNvCxnSpPr/>
+          <p:nvPr/>
+        </p:nvCxnSpPr>
+        <p:spPr>
+          <a:xfrm>
+            <a:off x="4022160" y="1032113"/>
+            <a:ext cx="1801578" cy="0"/>
+          </a:xfrm>
+          <a:prstGeom prst="straightConnector1">
+            <a:avLst/>
+          </a:prstGeom>
+          <a:ln>
+            <a:tailEnd type="triangle"/>
+          </a:ln>
+        </p:spPr>
+        <p:style>
+          <a:lnRef idx="1">
+            <a:schemeClr val="accent1"/>
+          </a:lnRef>
+          <a:fillRef idx="0">
+            <a:schemeClr val="accent1"/>
+          </a:fillRef>
+          <a:effectRef idx="0">
+            <a:schemeClr val="accent1"/>
+          </a:effectRef>
+          <a:fontRef idx="minor">
+            <a:schemeClr val="tx1"/>
+          </a:fontRef>
+        </p:style>
+      </p:cxnSp>
+      <p:sp>
+        <p:nvSpPr>
+          <p:cNvPr id="38" name="TextBox 37">
+            <a:extLst>
+              <a:ext uri="{FF2B5EF4-FFF2-40B4-BE49-F238E27FC236}">
+                <a16:creationId xmlns:a16="http://schemas.microsoft.com/office/drawing/2014/main" id="{4B4D2510-023F-2944-9755-6E92E9DDBD0D}"/>
+              </a:ext>
+            </a:extLst>
+          </p:cNvPr>
+          <p:cNvSpPr txBox="1"/>
+          <p:nvPr/>
+        </p:nvSpPr>
+        <p:spPr>
+          <a:xfrm>
+            <a:off x="4013036" y="792802"/>
+            <a:ext cx="1944858" cy="261610"/>
+          </a:xfrm>
+          <a:prstGeom prst="rect">
+            <a:avLst/>
+          </a:prstGeom>
+          <a:noFill/>
+        </p:spPr>
+        <p:txBody>
+          <a:bodyPr wrap="square" rtlCol="0">
+            <a:spAutoFit/>
+          </a:bodyPr>
+          <a:lstStyle/>
+          <a:p>
+            <a:r>
+              <a:rPr lang="en-US" sz="1100" dirty="0"/>
+              <a:t>http://vmONE/healthprobe</a:t>
+            </a:r>
+          </a:p>
+        </p:txBody>
+      </p:sp>
+      <p:cxnSp>
+        <p:nvCxnSpPr>
+          <p:cNvPr id="39" name="Straight Arrow Connector 38">
+            <a:extLst>
+              <a:ext uri="{FF2B5EF4-FFF2-40B4-BE49-F238E27FC236}">
+                <a16:creationId xmlns:a16="http://schemas.microsoft.com/office/drawing/2014/main" id="{A40CE603-2EB0-674C-ACBD-95E60A7F488C}"/>
+              </a:ext>
+            </a:extLst>
+          </p:cNvPr>
+          <p:cNvCxnSpPr>
+            <a:cxnSpLocks/>
+          </p:cNvCxnSpPr>
+          <p:nvPr/>
+        </p:nvCxnSpPr>
+        <p:spPr>
+          <a:xfrm flipH="1" flipV="1">
+            <a:off x="6172295" y="1661420"/>
+            <a:ext cx="1683754" cy="1"/>
+          </a:xfrm>
+          <a:prstGeom prst="straightConnector1">
+            <a:avLst/>
+          </a:prstGeom>
+          <a:ln>
+            <a:tailEnd type="triangle"/>
+          </a:ln>
+        </p:spPr>
+        <p:style>
+          <a:lnRef idx="1">
+            <a:schemeClr val="accent1"/>
+          </a:lnRef>
+          <a:fillRef idx="0">
+            <a:schemeClr val="accent1"/>
+          </a:fillRef>
+          <a:effectRef idx="0">
+            <a:schemeClr val="accent1"/>
+          </a:effectRef>
+          <a:fontRef idx="minor">
+            <a:schemeClr val="tx1"/>
+          </a:fontRef>
+        </p:style>
+      </p:cxnSp>
+      <p:sp>
+        <p:nvSpPr>
+          <p:cNvPr id="83" name="TextBox 82">
+            <a:extLst>
+              <a:ext uri="{FF2B5EF4-FFF2-40B4-BE49-F238E27FC236}">
+                <a16:creationId xmlns:a16="http://schemas.microsoft.com/office/drawing/2014/main" id="{A614240C-34C2-E840-8125-0060C3455C98}"/>
+              </a:ext>
+            </a:extLst>
+          </p:cNvPr>
+          <p:cNvSpPr txBox="1"/>
+          <p:nvPr/>
+        </p:nvSpPr>
+        <p:spPr>
+          <a:xfrm>
+            <a:off x="1445199" y="1678715"/>
+            <a:ext cx="2257977" cy="307777"/>
+          </a:xfrm>
+          <a:prstGeom prst="rect">
+            <a:avLst/>
+          </a:prstGeom>
+          <a:noFill/>
+        </p:spPr>
+        <p:txBody>
+          <a:bodyPr wrap="square" rtlCol="0">
+            <a:spAutoFit/>
+          </a:bodyPr>
+          <a:lstStyle/>
+          <a:p>
+            <a:r>
+              <a:rPr lang="en-US" sz="1400" dirty="0"/>
+              <a:t>Primary Health Probe calls</a:t>
+            </a:r>
+          </a:p>
+        </p:txBody>
+      </p:sp>
+      <p:sp>
+        <p:nvSpPr>
+          <p:cNvPr id="54" name="Rectangle 53">
+            <a:extLst>
+              <a:ext uri="{FF2B5EF4-FFF2-40B4-BE49-F238E27FC236}">
+                <a16:creationId xmlns:a16="http://schemas.microsoft.com/office/drawing/2014/main" id="{00910B06-660D-2B48-AE44-20E6AEF134C7}"/>
+              </a:ext>
+            </a:extLst>
+          </p:cNvPr>
+          <p:cNvSpPr/>
+          <p:nvPr/>
+        </p:nvSpPr>
+        <p:spPr>
+          <a:xfrm>
+            <a:off x="7252888" y="15655"/>
+            <a:ext cx="1393373" cy="616408"/>
+          </a:xfrm>
+          <a:prstGeom prst="rect">
+            <a:avLst/>
+          </a:prstGeom>
+        </p:spPr>
+        <p:style>
+          <a:lnRef idx="2">
+            <a:schemeClr val="accent1">
+              <a:shade val="50000"/>
+            </a:schemeClr>
+          </a:lnRef>
+          <a:fillRef idx="1">
+            <a:schemeClr val="accent1"/>
+          </a:fillRef>
+          <a:effectRef idx="0">
+            <a:schemeClr val="accent1"/>
+          </a:effectRef>
+          <a:fontRef idx="minor">
+            <a:schemeClr val="lt1"/>
+          </a:fontRef>
+        </p:style>
+        <p:txBody>
+          <a:bodyPr rtlCol="0" anchor="ctr"/>
+          <a:lstStyle/>
+          <a:p>
+            <a:pPr algn="ctr"/>
+            <a:r>
+              <a:rPr lang="en-US" sz="1400" dirty="0"/>
+              <a:t>vmONE (MQ)</a:t>
+            </a:r>
+          </a:p>
+        </p:txBody>
+      </p:sp>
+      <p:cxnSp>
+        <p:nvCxnSpPr>
+          <p:cNvPr id="55" name="Straight Connector 54">
+            <a:extLst>
+              <a:ext uri="{FF2B5EF4-FFF2-40B4-BE49-F238E27FC236}">
+                <a16:creationId xmlns:a16="http://schemas.microsoft.com/office/drawing/2014/main" id="{9CD24A9D-B724-1342-9999-8FDC13EC0392}"/>
+              </a:ext>
+            </a:extLst>
+          </p:cNvPr>
+          <p:cNvCxnSpPr>
+            <a:cxnSpLocks/>
+          </p:cNvCxnSpPr>
+          <p:nvPr/>
+        </p:nvCxnSpPr>
+        <p:spPr>
+          <a:xfrm>
+            <a:off x="7949574" y="418426"/>
+            <a:ext cx="20239" cy="6178429"/>
+          </a:xfrm>
+          <a:prstGeom prst="line">
+            <a:avLst/>
+          </a:prstGeom>
+        </p:spPr>
+        <p:style>
+          <a:lnRef idx="1">
+            <a:schemeClr val="accent1"/>
+          </a:lnRef>
+          <a:fillRef idx="0">
+            <a:schemeClr val="accent1"/>
+          </a:fillRef>
+          <a:effectRef idx="0">
+            <a:schemeClr val="accent1"/>
+          </a:effectRef>
+          <a:fontRef idx="minor">
+            <a:schemeClr val="tx1"/>
+          </a:fontRef>
+        </p:style>
+      </p:cxnSp>
+      <p:sp>
+        <p:nvSpPr>
+          <p:cNvPr id="56" name="Rectangle 55">
+            <a:extLst>
+              <a:ext uri="{FF2B5EF4-FFF2-40B4-BE49-F238E27FC236}">
+                <a16:creationId xmlns:a16="http://schemas.microsoft.com/office/drawing/2014/main" id="{12278574-8324-9748-B59D-32D9716566B9}"/>
+              </a:ext>
+            </a:extLst>
+          </p:cNvPr>
+          <p:cNvSpPr/>
+          <p:nvPr/>
+        </p:nvSpPr>
+        <p:spPr>
+          <a:xfrm>
+            <a:off x="7802794" y="1181716"/>
+            <a:ext cx="315686" cy="910564"/>
+          </a:xfrm>
+          <a:prstGeom prst="rect">
+            <a:avLst/>
+          </a:prstGeom>
+          <a:solidFill>
+            <a:schemeClr val="bg2"/>
+          </a:solidFill>
+        </p:spPr>
+        <p:style>
+          <a:lnRef idx="2">
+            <a:schemeClr val="accent1">
+              <a:shade val="50000"/>
+            </a:schemeClr>
+          </a:lnRef>
+          <a:fillRef idx="1">
+            <a:schemeClr val="accent1"/>
+          </a:fillRef>
+          <a:effectRef idx="0">
+            <a:schemeClr val="accent1"/>
+          </a:effectRef>
+          <a:fontRef idx="minor">
+            <a:schemeClr val="lt1"/>
+          </a:fontRef>
+        </p:style>
+        <p:txBody>
+          <a:bodyPr rtlCol="0" anchor="ctr"/>
+          <a:lstStyle/>
+          <a:p>
+            <a:pPr algn="ctr"/>
+            <a:endParaRPr lang="en-US"/>
+          </a:p>
+        </p:txBody>
+      </p:sp>
+      <p:sp>
+        <p:nvSpPr>
+          <p:cNvPr id="61" name="Rectangle 60">
+            <a:extLst>
+              <a:ext uri="{FF2B5EF4-FFF2-40B4-BE49-F238E27FC236}">
+                <a16:creationId xmlns:a16="http://schemas.microsoft.com/office/drawing/2014/main" id="{DCEA5E0A-DEAB-7A4B-8AA7-16199CD19B2B}"/>
+              </a:ext>
+            </a:extLst>
+          </p:cNvPr>
+          <p:cNvSpPr/>
+          <p:nvPr/>
+        </p:nvSpPr>
+        <p:spPr>
+          <a:xfrm>
+            <a:off x="10643491" y="15655"/>
+            <a:ext cx="1393373" cy="616408"/>
+          </a:xfrm>
+          <a:prstGeom prst="rect">
+            <a:avLst/>
+          </a:prstGeom>
+        </p:spPr>
+        <p:style>
+          <a:lnRef idx="2">
+            <a:schemeClr val="accent1">
+              <a:shade val="50000"/>
+            </a:schemeClr>
+          </a:lnRef>
+          <a:fillRef idx="1">
+            <a:schemeClr val="accent1"/>
+          </a:fillRef>
+          <a:effectRef idx="0">
+            <a:schemeClr val="accent1"/>
+          </a:effectRef>
+          <a:fontRef idx="minor">
+            <a:schemeClr val="lt1"/>
+          </a:fontRef>
+        </p:style>
+        <p:txBody>
+          <a:bodyPr rtlCol="0" anchor="ctr"/>
+          <a:lstStyle/>
+          <a:p>
+            <a:pPr algn="ctr"/>
+            <a:r>
+              <a:rPr lang="en-US" sz="1400" dirty="0"/>
+              <a:t>vmTWO (MQ)</a:t>
+            </a:r>
+          </a:p>
+        </p:txBody>
+      </p:sp>
+      <p:cxnSp>
+        <p:nvCxnSpPr>
+          <p:cNvPr id="62" name="Straight Connector 61">
+            <a:extLst>
+              <a:ext uri="{FF2B5EF4-FFF2-40B4-BE49-F238E27FC236}">
+                <a16:creationId xmlns:a16="http://schemas.microsoft.com/office/drawing/2014/main" id="{B9AFDE14-50CA-414B-8109-F7FBB6AD589C}"/>
+              </a:ext>
+            </a:extLst>
+          </p:cNvPr>
+          <p:cNvCxnSpPr>
+            <a:cxnSpLocks/>
+          </p:cNvCxnSpPr>
+          <p:nvPr/>
+        </p:nvCxnSpPr>
+        <p:spPr>
+          <a:xfrm>
+            <a:off x="11340177" y="418425"/>
+            <a:ext cx="46810" cy="6197087"/>
+          </a:xfrm>
+          <a:prstGeom prst="line">
+            <a:avLst/>
+          </a:prstGeom>
+        </p:spPr>
+        <p:style>
+          <a:lnRef idx="1">
+            <a:schemeClr val="accent1"/>
+          </a:lnRef>
+          <a:fillRef idx="0">
+            <a:schemeClr val="accent1"/>
+          </a:fillRef>
+          <a:effectRef idx="0">
+            <a:schemeClr val="accent1"/>
+          </a:effectRef>
+          <a:fontRef idx="minor">
+            <a:schemeClr val="tx1"/>
+          </a:fontRef>
+        </p:style>
+      </p:cxnSp>
+      <p:cxnSp>
+        <p:nvCxnSpPr>
+          <p:cNvPr id="82" name="Straight Arrow Connector 81">
+            <a:extLst>
+              <a:ext uri="{FF2B5EF4-FFF2-40B4-BE49-F238E27FC236}">
+                <a16:creationId xmlns:a16="http://schemas.microsoft.com/office/drawing/2014/main" id="{A4931285-D269-A24C-BF5C-7705311EFB3F}"/>
+              </a:ext>
+            </a:extLst>
+          </p:cNvPr>
+          <p:cNvCxnSpPr>
+            <a:cxnSpLocks/>
+          </p:cNvCxnSpPr>
+          <p:nvPr/>
+        </p:nvCxnSpPr>
+        <p:spPr>
+          <a:xfrm>
+            <a:off x="6159450" y="1356167"/>
+            <a:ext cx="1643344" cy="0"/>
+          </a:xfrm>
+          <a:prstGeom prst="straightConnector1">
+            <a:avLst/>
+          </a:prstGeom>
+          <a:ln>
+            <a:tailEnd type="triangle"/>
+          </a:ln>
+        </p:spPr>
+        <p:style>
+          <a:lnRef idx="1">
+            <a:schemeClr val="accent1"/>
+          </a:lnRef>
+          <a:fillRef idx="0">
+            <a:schemeClr val="accent1"/>
+          </a:fillRef>
+          <a:effectRef idx="0">
+            <a:schemeClr val="accent1"/>
+          </a:effectRef>
+          <a:fontRef idx="minor">
+            <a:schemeClr val="tx1"/>
+          </a:fontRef>
+        </p:style>
+      </p:cxnSp>
+      <p:sp>
+        <p:nvSpPr>
+          <p:cNvPr id="85" name="TextBox 84">
+            <a:extLst>
+              <a:ext uri="{FF2B5EF4-FFF2-40B4-BE49-F238E27FC236}">
+                <a16:creationId xmlns:a16="http://schemas.microsoft.com/office/drawing/2014/main" id="{DE32B17D-CDBF-4B43-B405-F908FABD3754}"/>
+              </a:ext>
+            </a:extLst>
+          </p:cNvPr>
+          <p:cNvSpPr txBox="1"/>
+          <p:nvPr/>
+        </p:nvSpPr>
+        <p:spPr>
+          <a:xfrm>
+            <a:off x="6586671" y="1116379"/>
+            <a:ext cx="835599" cy="261610"/>
+          </a:xfrm>
+          <a:prstGeom prst="rect">
+            <a:avLst/>
+          </a:prstGeom>
+          <a:noFill/>
+        </p:spPr>
+        <p:txBody>
+          <a:bodyPr wrap="square" rtlCol="0">
+            <a:spAutoFit/>
+          </a:bodyPr>
+          <a:lstStyle/>
+          <a:p>
+            <a:r>
+              <a:rPr lang="en-US" sz="1100" dirty="0"/>
+              <a:t>tcpdial</a:t>
+            </a:r>
+          </a:p>
+        </p:txBody>
+      </p:sp>
+      <p:sp>
+        <p:nvSpPr>
+          <p:cNvPr id="88" name="TextBox 87">
+            <a:extLst>
+              <a:ext uri="{FF2B5EF4-FFF2-40B4-BE49-F238E27FC236}">
+                <a16:creationId xmlns:a16="http://schemas.microsoft.com/office/drawing/2014/main" id="{12F0A70F-2372-1542-AF39-2CEEBB36AEBC}"/>
+              </a:ext>
+            </a:extLst>
+          </p:cNvPr>
+          <p:cNvSpPr txBox="1"/>
+          <p:nvPr/>
+        </p:nvSpPr>
+        <p:spPr>
+          <a:xfrm>
+            <a:off x="4120774" y="1442521"/>
+            <a:ext cx="835599" cy="261610"/>
+          </a:xfrm>
+          <a:prstGeom prst="rect">
+            <a:avLst/>
+          </a:prstGeom>
+          <a:noFill/>
+        </p:spPr>
+        <p:txBody>
+          <a:bodyPr wrap="square" rtlCol="0">
+            <a:spAutoFit/>
+          </a:bodyPr>
+          <a:lstStyle/>
+          <a:p>
+            <a:r>
+              <a:rPr lang="en-US" sz="1100" dirty="0"/>
+              <a:t>200 OK</a:t>
+            </a:r>
+          </a:p>
+        </p:txBody>
+      </p:sp>
+      <p:sp>
+        <p:nvSpPr>
+          <p:cNvPr id="102" name="TextBox 101">
+            <a:extLst>
+              <a:ext uri="{FF2B5EF4-FFF2-40B4-BE49-F238E27FC236}">
+                <a16:creationId xmlns:a16="http://schemas.microsoft.com/office/drawing/2014/main" id="{0A9D8987-C018-D84F-8543-A85B683DB728}"/>
+              </a:ext>
+            </a:extLst>
+          </p:cNvPr>
+          <p:cNvSpPr txBox="1"/>
+          <p:nvPr/>
+        </p:nvSpPr>
+        <p:spPr>
+          <a:xfrm>
+            <a:off x="4166828" y="1850757"/>
+            <a:ext cx="835599" cy="261610"/>
+          </a:xfrm>
+          <a:prstGeom prst="rect">
+            <a:avLst/>
+          </a:prstGeom>
+          <a:noFill/>
+        </p:spPr>
+        <p:txBody>
+          <a:bodyPr wrap="square" rtlCol="0">
+            <a:spAutoFit/>
+          </a:bodyPr>
+          <a:lstStyle/>
+          <a:p>
+            <a:r>
+              <a:rPr lang="en-US" sz="1100" dirty="0"/>
+              <a:t>404</a:t>
+            </a:r>
+          </a:p>
+        </p:txBody>
+      </p:sp>
+      <p:sp>
+        <p:nvSpPr>
+          <p:cNvPr id="104" name="Rectangle 103">
+            <a:extLst>
+              <a:ext uri="{FF2B5EF4-FFF2-40B4-BE49-F238E27FC236}">
+                <a16:creationId xmlns:a16="http://schemas.microsoft.com/office/drawing/2014/main" id="{EEE4D067-8D74-B445-94BA-AE8402C93133}"/>
+              </a:ext>
+            </a:extLst>
+          </p:cNvPr>
+          <p:cNvSpPr/>
+          <p:nvPr/>
+        </p:nvSpPr>
+        <p:spPr>
+          <a:xfrm>
+            <a:off x="3706290" y="3160603"/>
+            <a:ext cx="315686" cy="2907287"/>
+          </a:xfrm>
+          <a:prstGeom prst="rect">
+            <a:avLst/>
+          </a:prstGeom>
+          <a:solidFill>
+            <a:schemeClr val="bg2"/>
+          </a:solidFill>
+        </p:spPr>
+        <p:style>
+          <a:lnRef idx="2">
+            <a:schemeClr val="accent1">
+              <a:shade val="50000"/>
+            </a:schemeClr>
+          </a:lnRef>
+          <a:fillRef idx="1">
+            <a:schemeClr val="accent1"/>
+          </a:fillRef>
+          <a:effectRef idx="0">
+            <a:schemeClr val="accent1"/>
+          </a:effectRef>
+          <a:fontRef idx="minor">
+            <a:schemeClr val="lt1"/>
+          </a:fontRef>
+        </p:style>
+        <p:txBody>
+          <a:bodyPr rtlCol="0" anchor="ctr"/>
+          <a:lstStyle/>
+          <a:p>
+            <a:pPr algn="ctr"/>
+            <a:endParaRPr lang="en-US"/>
+          </a:p>
+        </p:txBody>
+      </p:sp>
+      <p:sp>
+        <p:nvSpPr>
+          <p:cNvPr id="105" name="Rectangle 104">
+            <a:extLst>
+              <a:ext uri="{FF2B5EF4-FFF2-40B4-BE49-F238E27FC236}">
+                <a16:creationId xmlns:a16="http://schemas.microsoft.com/office/drawing/2014/main" id="{90958BA4-299F-9E49-886D-95A904A37B4B}"/>
+              </a:ext>
+            </a:extLst>
+          </p:cNvPr>
+          <p:cNvSpPr/>
+          <p:nvPr/>
+        </p:nvSpPr>
+        <p:spPr>
+          <a:xfrm>
+            <a:off x="9493735" y="3191609"/>
+            <a:ext cx="315686" cy="2599588"/>
+          </a:xfrm>
+          <a:prstGeom prst="rect">
+            <a:avLst/>
+          </a:prstGeom>
+          <a:solidFill>
+            <a:schemeClr val="bg2"/>
+          </a:solidFill>
+        </p:spPr>
+        <p:style>
+          <a:lnRef idx="2">
+            <a:schemeClr val="accent1">
+              <a:shade val="50000"/>
+            </a:schemeClr>
+          </a:lnRef>
+          <a:fillRef idx="1">
+            <a:schemeClr val="accent1"/>
+          </a:fillRef>
+          <a:effectRef idx="0">
+            <a:schemeClr val="accent1"/>
+          </a:effectRef>
+          <a:fontRef idx="minor">
+            <a:schemeClr val="lt1"/>
+          </a:fontRef>
+        </p:style>
+        <p:txBody>
+          <a:bodyPr rtlCol="0" anchor="ctr"/>
+          <a:lstStyle/>
+          <a:p>
+            <a:pPr algn="ctr"/>
+            <a:endParaRPr lang="en-US"/>
+          </a:p>
+        </p:txBody>
+      </p:sp>
+      <p:cxnSp>
+        <p:nvCxnSpPr>
+          <p:cNvPr id="106" name="Straight Arrow Connector 105">
+            <a:extLst>
+              <a:ext uri="{FF2B5EF4-FFF2-40B4-BE49-F238E27FC236}">
+                <a16:creationId xmlns:a16="http://schemas.microsoft.com/office/drawing/2014/main" id="{3236F751-C0A2-E644-870C-8D6266B27534}"/>
+              </a:ext>
+            </a:extLst>
+          </p:cNvPr>
+          <p:cNvCxnSpPr>
+            <a:cxnSpLocks/>
+          </p:cNvCxnSpPr>
+          <p:nvPr/>
+        </p:nvCxnSpPr>
+        <p:spPr>
+          <a:xfrm>
+            <a:off x="4032866" y="3274773"/>
+            <a:ext cx="5460869" cy="0"/>
+          </a:xfrm>
+          <a:prstGeom prst="straightConnector1">
+            <a:avLst/>
+          </a:prstGeom>
+          <a:ln>
+            <a:tailEnd type="triangle"/>
+          </a:ln>
+        </p:spPr>
+        <p:style>
+          <a:lnRef idx="1">
+            <a:schemeClr val="accent1"/>
+          </a:lnRef>
+          <a:fillRef idx="0">
+            <a:schemeClr val="accent1"/>
+          </a:fillRef>
+          <a:effectRef idx="0">
+            <a:schemeClr val="accent1"/>
+          </a:effectRef>
+          <a:fontRef idx="minor">
+            <a:schemeClr val="tx1"/>
+          </a:fontRef>
+        </p:style>
+      </p:cxnSp>
+      <p:sp>
+        <p:nvSpPr>
+          <p:cNvPr id="107" name="TextBox 106">
+            <a:extLst>
+              <a:ext uri="{FF2B5EF4-FFF2-40B4-BE49-F238E27FC236}">
+                <a16:creationId xmlns:a16="http://schemas.microsoft.com/office/drawing/2014/main" id="{F8269E84-E4FF-9F41-8CD4-F73EE144F3AF}"/>
+              </a:ext>
+            </a:extLst>
+          </p:cNvPr>
+          <p:cNvSpPr txBox="1"/>
+          <p:nvPr/>
+        </p:nvSpPr>
+        <p:spPr>
+          <a:xfrm>
+            <a:off x="6133794" y="3053812"/>
+            <a:ext cx="1944858" cy="261610"/>
+          </a:xfrm>
+          <a:prstGeom prst="rect">
+            <a:avLst/>
+          </a:prstGeom>
+          <a:noFill/>
+        </p:spPr>
+        <p:txBody>
+          <a:bodyPr wrap="square" rtlCol="0">
+            <a:spAutoFit/>
+          </a:bodyPr>
+          <a:lstStyle/>
+          <a:p>
+            <a:r>
+              <a:rPr lang="en-US" sz="1100" dirty="0"/>
+              <a:t>http://vmTWO/healthprobe</a:t>
+            </a:r>
+          </a:p>
+        </p:txBody>
+      </p:sp>
+      <p:sp>
+        <p:nvSpPr>
+          <p:cNvPr id="109" name="TextBox 108">
+            <a:extLst>
+              <a:ext uri="{FF2B5EF4-FFF2-40B4-BE49-F238E27FC236}">
+                <a16:creationId xmlns:a16="http://schemas.microsoft.com/office/drawing/2014/main" id="{23C0056C-AADC-004E-AF82-534A866FC506}"/>
+              </a:ext>
+            </a:extLst>
+          </p:cNvPr>
+          <p:cNvSpPr txBox="1"/>
+          <p:nvPr/>
+        </p:nvSpPr>
+        <p:spPr>
+          <a:xfrm>
+            <a:off x="1286044" y="3424376"/>
+            <a:ext cx="2643847" cy="307777"/>
+          </a:xfrm>
+          <a:prstGeom prst="rect">
+            <a:avLst/>
+          </a:prstGeom>
+          <a:noFill/>
+        </p:spPr>
+        <p:txBody>
+          <a:bodyPr wrap="square" rtlCol="0">
+            <a:spAutoFit/>
+          </a:bodyPr>
+          <a:lstStyle/>
+          <a:p>
+            <a:r>
+              <a:rPr lang="en-US" sz="1400" dirty="0"/>
+              <a:t>Secondary Health Probe calls</a:t>
+            </a:r>
+          </a:p>
+        </p:txBody>
+      </p:sp>
+      <p:sp>
+        <p:nvSpPr>
+          <p:cNvPr id="118" name="Rectangle 117">
+            <a:extLst>
+              <a:ext uri="{FF2B5EF4-FFF2-40B4-BE49-F238E27FC236}">
+                <a16:creationId xmlns:a16="http://schemas.microsoft.com/office/drawing/2014/main" id="{46718379-2A49-A748-B1F7-0FE95D39A65D}"/>
+              </a:ext>
+            </a:extLst>
+          </p:cNvPr>
+          <p:cNvSpPr/>
+          <p:nvPr/>
+        </p:nvSpPr>
+        <p:spPr>
+          <a:xfrm>
+            <a:off x="7828684" y="3495735"/>
+            <a:ext cx="315686" cy="1109000"/>
+          </a:xfrm>
+          <a:prstGeom prst="rect">
+            <a:avLst/>
+          </a:prstGeom>
+          <a:solidFill>
+            <a:schemeClr val="bg2"/>
+          </a:solidFill>
+        </p:spPr>
+        <p:style>
+          <a:lnRef idx="2">
+            <a:schemeClr val="accent1">
+              <a:shade val="50000"/>
+            </a:schemeClr>
+          </a:lnRef>
+          <a:fillRef idx="1">
+            <a:schemeClr val="accent1"/>
+          </a:fillRef>
+          <a:effectRef idx="0">
+            <a:schemeClr val="accent1"/>
+          </a:effectRef>
+          <a:fontRef idx="minor">
+            <a:schemeClr val="lt1"/>
+          </a:fontRef>
+        </p:style>
+        <p:txBody>
+          <a:bodyPr rtlCol="0" anchor="ctr"/>
+          <a:lstStyle/>
+          <a:p>
+            <a:pPr algn="ctr"/>
+            <a:endParaRPr lang="en-US"/>
+          </a:p>
+        </p:txBody>
+      </p:sp>
+      <p:cxnSp>
+        <p:nvCxnSpPr>
+          <p:cNvPr id="120" name="Straight Arrow Connector 119">
+            <a:extLst>
+              <a:ext uri="{FF2B5EF4-FFF2-40B4-BE49-F238E27FC236}">
+                <a16:creationId xmlns:a16="http://schemas.microsoft.com/office/drawing/2014/main" id="{51B35D13-E007-1E49-9A2D-F261F52B3BC9}"/>
+              </a:ext>
+            </a:extLst>
+          </p:cNvPr>
+          <p:cNvCxnSpPr>
+            <a:cxnSpLocks/>
+          </p:cNvCxnSpPr>
+          <p:nvPr/>
+        </p:nvCxnSpPr>
+        <p:spPr>
+          <a:xfrm flipH="1">
+            <a:off x="8144370" y="3761531"/>
+            <a:ext cx="1343768" cy="0"/>
+          </a:xfrm>
+          <a:prstGeom prst="straightConnector1">
+            <a:avLst/>
+          </a:prstGeom>
+          <a:ln>
+            <a:tailEnd type="triangle"/>
+          </a:ln>
+        </p:spPr>
+        <p:style>
+          <a:lnRef idx="1">
+            <a:schemeClr val="accent1"/>
+          </a:lnRef>
+          <a:fillRef idx="0">
+            <a:schemeClr val="accent1"/>
+          </a:fillRef>
+          <a:effectRef idx="0">
+            <a:schemeClr val="accent1"/>
+          </a:effectRef>
+          <a:fontRef idx="minor">
+            <a:schemeClr val="tx1"/>
+          </a:fontRef>
+        </p:style>
+      </p:cxnSp>
+      <p:sp>
+        <p:nvSpPr>
+          <p:cNvPr id="121" name="TextBox 120">
+            <a:extLst>
+              <a:ext uri="{FF2B5EF4-FFF2-40B4-BE49-F238E27FC236}">
+                <a16:creationId xmlns:a16="http://schemas.microsoft.com/office/drawing/2014/main" id="{1519C0E0-7A1F-1344-8B0C-C5865ADA3547}"/>
+              </a:ext>
+            </a:extLst>
+          </p:cNvPr>
+          <p:cNvSpPr txBox="1"/>
+          <p:nvPr/>
+        </p:nvSpPr>
+        <p:spPr>
+          <a:xfrm>
+            <a:off x="8435717" y="3516882"/>
+            <a:ext cx="835599" cy="261610"/>
+          </a:xfrm>
+          <a:prstGeom prst="rect">
+            <a:avLst/>
+          </a:prstGeom>
+          <a:noFill/>
+        </p:spPr>
+        <p:txBody>
+          <a:bodyPr wrap="square" rtlCol="0">
+            <a:spAutoFit/>
+          </a:bodyPr>
+          <a:lstStyle/>
+          <a:p>
+            <a:r>
+              <a:rPr lang="en-US" sz="1100" dirty="0"/>
+              <a:t>tcpdial</a:t>
+            </a:r>
+          </a:p>
+        </p:txBody>
+      </p:sp>
+      <p:cxnSp>
+        <p:nvCxnSpPr>
+          <p:cNvPr id="123" name="Straight Arrow Connector 122">
+            <a:extLst>
+              <a:ext uri="{FF2B5EF4-FFF2-40B4-BE49-F238E27FC236}">
+                <a16:creationId xmlns:a16="http://schemas.microsoft.com/office/drawing/2014/main" id="{FD278BF0-1695-524E-A275-AFA6416BCC22}"/>
+              </a:ext>
+            </a:extLst>
+          </p:cNvPr>
+          <p:cNvCxnSpPr>
+            <a:cxnSpLocks/>
+          </p:cNvCxnSpPr>
+          <p:nvPr/>
+        </p:nvCxnSpPr>
+        <p:spPr>
+          <a:xfrm>
+            <a:off x="8177140" y="4130879"/>
+            <a:ext cx="1304813" cy="6841"/>
+          </a:xfrm>
+          <a:prstGeom prst="straightConnector1">
+            <a:avLst/>
+          </a:prstGeom>
+          <a:ln>
+            <a:tailEnd type="triangle"/>
+          </a:ln>
+        </p:spPr>
+        <p:style>
+          <a:lnRef idx="1">
+            <a:schemeClr val="accent1"/>
+          </a:lnRef>
+          <a:fillRef idx="0">
+            <a:schemeClr val="accent1"/>
+          </a:fillRef>
+          <a:effectRef idx="0">
+            <a:schemeClr val="accent1"/>
+          </a:effectRef>
+          <a:fontRef idx="minor">
+            <a:schemeClr val="tx1"/>
+          </a:fontRef>
+        </p:style>
+      </p:cxnSp>
+      <p:cxnSp>
+        <p:nvCxnSpPr>
+          <p:cNvPr id="124" name="Elbow Connector 123">
+            <a:extLst>
+              <a:ext uri="{FF2B5EF4-FFF2-40B4-BE49-F238E27FC236}">
+                <a16:creationId xmlns:a16="http://schemas.microsoft.com/office/drawing/2014/main" id="{A8B00D75-B097-E54C-B035-C7C9B05B2DEA}"/>
+              </a:ext>
+            </a:extLst>
+          </p:cNvPr>
+          <p:cNvCxnSpPr>
+            <a:cxnSpLocks/>
+            <a:stCxn id="138" idx="2"/>
+          </p:cNvCxnSpPr>
+          <p:nvPr/>
+        </p:nvCxnSpPr>
+        <p:spPr>
+          <a:xfrm rot="5400000">
+            <a:off x="6443795" y="1858628"/>
+            <a:ext cx="809370" cy="5653007"/>
+          </a:xfrm>
+          <a:prstGeom prst="bentConnector2">
+            <a:avLst/>
+          </a:prstGeom>
+          <a:ln>
+            <a:tailEnd type="triangle"/>
+          </a:ln>
+        </p:spPr>
+        <p:style>
+          <a:lnRef idx="1">
+            <a:schemeClr val="accent1"/>
+          </a:lnRef>
+          <a:fillRef idx="0">
+            <a:schemeClr val="accent1"/>
+          </a:fillRef>
+          <a:effectRef idx="0">
+            <a:schemeClr val="accent1"/>
+          </a:effectRef>
+          <a:fontRef idx="minor">
+            <a:schemeClr val="tx1"/>
+          </a:fontRef>
+        </p:style>
+      </p:cxnSp>
+      <p:sp>
+        <p:nvSpPr>
+          <p:cNvPr id="126" name="TextBox 125">
+            <a:extLst>
+              <a:ext uri="{FF2B5EF4-FFF2-40B4-BE49-F238E27FC236}">
+                <a16:creationId xmlns:a16="http://schemas.microsoft.com/office/drawing/2014/main" id="{8A052B1F-3D41-0A48-BCAE-8AB2A67CA804}"/>
+              </a:ext>
+            </a:extLst>
+          </p:cNvPr>
+          <p:cNvSpPr txBox="1"/>
+          <p:nvPr/>
+        </p:nvSpPr>
+        <p:spPr>
+          <a:xfrm>
+            <a:off x="4236087" y="4866347"/>
+            <a:ext cx="835599" cy="261610"/>
+          </a:xfrm>
+          <a:prstGeom prst="rect">
+            <a:avLst/>
+          </a:prstGeom>
+          <a:noFill/>
+        </p:spPr>
+        <p:txBody>
+          <a:bodyPr wrap="square" rtlCol="0">
+            <a:spAutoFit/>
+          </a:bodyPr>
+          <a:lstStyle/>
+          <a:p>
+            <a:r>
+              <a:rPr lang="en-US" sz="1100" dirty="0"/>
+              <a:t>404</a:t>
+            </a:r>
+          </a:p>
+        </p:txBody>
+      </p:sp>
+      <p:sp>
+        <p:nvSpPr>
+          <p:cNvPr id="127" name="TextBox 126">
+            <a:extLst>
+              <a:ext uri="{FF2B5EF4-FFF2-40B4-BE49-F238E27FC236}">
+                <a16:creationId xmlns:a16="http://schemas.microsoft.com/office/drawing/2014/main" id="{011F07E2-DB88-3945-8B17-BEDC67973724}"/>
+              </a:ext>
+            </a:extLst>
+          </p:cNvPr>
+          <p:cNvSpPr txBox="1"/>
+          <p:nvPr/>
+        </p:nvSpPr>
+        <p:spPr>
+          <a:xfrm>
+            <a:off x="6630755" y="1410593"/>
+            <a:ext cx="835599" cy="261610"/>
+          </a:xfrm>
+          <a:prstGeom prst="rect">
+            <a:avLst/>
+          </a:prstGeom>
+          <a:noFill/>
+        </p:spPr>
+        <p:txBody>
+          <a:bodyPr wrap="square" rtlCol="0">
+            <a:spAutoFit/>
+          </a:bodyPr>
+          <a:lstStyle/>
+          <a:p>
+            <a:r>
+              <a:rPr lang="en-US" sz="1100" dirty="0"/>
+              <a:t>connected</a:t>
+            </a:r>
+          </a:p>
+        </p:txBody>
+      </p:sp>
+      <p:sp>
+        <p:nvSpPr>
+          <p:cNvPr id="129" name="Diamond 128">
+            <a:extLst>
+              <a:ext uri="{FF2B5EF4-FFF2-40B4-BE49-F238E27FC236}">
+                <a16:creationId xmlns:a16="http://schemas.microsoft.com/office/drawing/2014/main" id="{1269F33D-A66A-574E-BB33-915A162D71DF}"/>
+              </a:ext>
+            </a:extLst>
+          </p:cNvPr>
+          <p:cNvSpPr/>
+          <p:nvPr/>
+        </p:nvSpPr>
+        <p:spPr>
+          <a:xfrm>
+            <a:off x="5857852" y="1498681"/>
+            <a:ext cx="315686" cy="293251"/>
+          </a:xfrm>
+          <a:prstGeom prst="diamond">
+            <a:avLst/>
+          </a:prstGeom>
+        </p:spPr>
+        <p:style>
+          <a:lnRef idx="2">
+            <a:schemeClr val="accent1">
+              <a:shade val="50000"/>
+            </a:schemeClr>
+          </a:lnRef>
+          <a:fillRef idx="1">
+            <a:schemeClr val="accent1"/>
+          </a:fillRef>
+          <a:effectRef idx="0">
+            <a:schemeClr val="accent1"/>
+          </a:effectRef>
+          <a:fontRef idx="minor">
+            <a:schemeClr val="lt1"/>
+          </a:fontRef>
+        </p:style>
+        <p:txBody>
+          <a:bodyPr rtlCol="0" anchor="ctr"/>
+          <a:lstStyle/>
+          <a:p>
+            <a:pPr algn="ctr"/>
+            <a:endParaRPr lang="en-US"/>
+          </a:p>
+        </p:txBody>
+      </p:sp>
+      <p:cxnSp>
+        <p:nvCxnSpPr>
+          <p:cNvPr id="130" name="Straight Arrow Connector 129">
+            <a:extLst>
+              <a:ext uri="{FF2B5EF4-FFF2-40B4-BE49-F238E27FC236}">
+                <a16:creationId xmlns:a16="http://schemas.microsoft.com/office/drawing/2014/main" id="{64D441DE-41E1-224C-B246-3EEA77982972}"/>
+              </a:ext>
+            </a:extLst>
+          </p:cNvPr>
+          <p:cNvCxnSpPr>
+            <a:cxnSpLocks/>
+            <a:stCxn id="129" idx="1"/>
+          </p:cNvCxnSpPr>
+          <p:nvPr/>
+        </p:nvCxnSpPr>
+        <p:spPr>
+          <a:xfrm flipH="1">
+            <a:off x="4027196" y="1645307"/>
+            <a:ext cx="1830656" cy="1015"/>
+          </a:xfrm>
+          <a:prstGeom prst="straightConnector1">
+            <a:avLst/>
+          </a:prstGeom>
+          <a:ln>
+            <a:tailEnd type="triangle"/>
+          </a:ln>
+        </p:spPr>
+        <p:style>
+          <a:lnRef idx="1">
+            <a:schemeClr val="accent1"/>
+          </a:lnRef>
+          <a:fillRef idx="0">
+            <a:schemeClr val="accent1"/>
+          </a:fillRef>
+          <a:effectRef idx="0">
+            <a:schemeClr val="accent1"/>
+          </a:effectRef>
+          <a:fontRef idx="minor">
+            <a:schemeClr val="tx1"/>
+          </a:fontRef>
+        </p:style>
+      </p:cxnSp>
+      <p:cxnSp>
+        <p:nvCxnSpPr>
+          <p:cNvPr id="132" name="Straight Arrow Connector 131">
+            <a:extLst>
+              <a:ext uri="{FF2B5EF4-FFF2-40B4-BE49-F238E27FC236}">
+                <a16:creationId xmlns:a16="http://schemas.microsoft.com/office/drawing/2014/main" id="{527F10F3-DF70-9940-947B-CDAE5575E25F}"/>
+              </a:ext>
+            </a:extLst>
+          </p:cNvPr>
+          <p:cNvCxnSpPr>
+            <a:cxnSpLocks/>
+          </p:cNvCxnSpPr>
+          <p:nvPr/>
+        </p:nvCxnSpPr>
+        <p:spPr>
+          <a:xfrm flipH="1" flipV="1">
+            <a:off x="6184675" y="2020096"/>
+            <a:ext cx="1644009" cy="10782"/>
+          </a:xfrm>
+          <a:prstGeom prst="straightConnector1">
+            <a:avLst/>
+          </a:prstGeom>
+          <a:ln>
+            <a:tailEnd type="triangle"/>
+          </a:ln>
+        </p:spPr>
+        <p:style>
+          <a:lnRef idx="1">
+            <a:schemeClr val="accent1"/>
+          </a:lnRef>
+          <a:fillRef idx="0">
+            <a:schemeClr val="accent1"/>
+          </a:fillRef>
+          <a:effectRef idx="0">
+            <a:schemeClr val="accent1"/>
+          </a:effectRef>
+          <a:fontRef idx="minor">
+            <a:schemeClr val="tx1"/>
+          </a:fontRef>
+        </p:style>
+      </p:cxnSp>
+      <p:sp>
+        <p:nvSpPr>
+          <p:cNvPr id="133" name="TextBox 132">
+            <a:extLst>
+              <a:ext uri="{FF2B5EF4-FFF2-40B4-BE49-F238E27FC236}">
+                <a16:creationId xmlns:a16="http://schemas.microsoft.com/office/drawing/2014/main" id="{6547FD18-ED00-224D-BCA1-25A88E6101D0}"/>
+              </a:ext>
+            </a:extLst>
+          </p:cNvPr>
+          <p:cNvSpPr txBox="1"/>
+          <p:nvPr/>
+        </p:nvSpPr>
+        <p:spPr>
+          <a:xfrm>
+            <a:off x="6425653" y="1769268"/>
+            <a:ext cx="1363054" cy="261610"/>
+          </a:xfrm>
+          <a:prstGeom prst="rect">
+            <a:avLst/>
+          </a:prstGeom>
+          <a:noFill/>
+        </p:spPr>
+        <p:txBody>
+          <a:bodyPr wrap="square" rtlCol="0">
+            <a:spAutoFit/>
+          </a:bodyPr>
+          <a:lstStyle/>
+          <a:p>
+            <a:r>
+              <a:rPr lang="en-US" sz="1100" dirty="0"/>
+              <a:t>connection error</a:t>
+            </a:r>
+          </a:p>
+        </p:txBody>
+      </p:sp>
+      <p:sp>
+        <p:nvSpPr>
+          <p:cNvPr id="135" name="Diamond 134">
+            <a:extLst>
+              <a:ext uri="{FF2B5EF4-FFF2-40B4-BE49-F238E27FC236}">
+                <a16:creationId xmlns:a16="http://schemas.microsoft.com/office/drawing/2014/main" id="{7355A660-01A1-B44C-90B9-48592E52FBC4}"/>
+              </a:ext>
+            </a:extLst>
+          </p:cNvPr>
+          <p:cNvSpPr/>
+          <p:nvPr/>
+        </p:nvSpPr>
+        <p:spPr>
+          <a:xfrm>
+            <a:off x="5848833" y="1878197"/>
+            <a:ext cx="315686" cy="293251"/>
+          </a:xfrm>
+          <a:prstGeom prst="diamond">
+            <a:avLst/>
+          </a:prstGeom>
+        </p:spPr>
+        <p:style>
+          <a:lnRef idx="2">
+            <a:schemeClr val="accent1">
+              <a:shade val="50000"/>
+            </a:schemeClr>
+          </a:lnRef>
+          <a:fillRef idx="1">
+            <a:schemeClr val="accent1"/>
+          </a:fillRef>
+          <a:effectRef idx="0">
+            <a:schemeClr val="accent1"/>
+          </a:effectRef>
+          <a:fontRef idx="minor">
+            <a:schemeClr val="lt1"/>
+          </a:fontRef>
+        </p:style>
+        <p:txBody>
+          <a:bodyPr rtlCol="0" anchor="ctr"/>
+          <a:lstStyle/>
+          <a:p>
+            <a:pPr algn="ctr"/>
+            <a:endParaRPr lang="en-US"/>
+          </a:p>
+        </p:txBody>
+      </p:sp>
+      <p:cxnSp>
+        <p:nvCxnSpPr>
+          <p:cNvPr id="136" name="Straight Arrow Connector 135">
+            <a:extLst>
+              <a:ext uri="{FF2B5EF4-FFF2-40B4-BE49-F238E27FC236}">
+                <a16:creationId xmlns:a16="http://schemas.microsoft.com/office/drawing/2014/main" id="{96ACD6D1-7CAF-2847-951D-B2117C8CD26C}"/>
+              </a:ext>
+            </a:extLst>
+          </p:cNvPr>
+          <p:cNvCxnSpPr>
+            <a:cxnSpLocks/>
+          </p:cNvCxnSpPr>
+          <p:nvPr/>
+        </p:nvCxnSpPr>
+        <p:spPr>
+          <a:xfrm flipH="1">
+            <a:off x="4017421" y="2026173"/>
+            <a:ext cx="1830656" cy="1015"/>
+          </a:xfrm>
+          <a:prstGeom prst="straightConnector1">
+            <a:avLst/>
+          </a:prstGeom>
+          <a:ln>
+            <a:tailEnd type="triangle"/>
+          </a:ln>
+        </p:spPr>
+        <p:style>
+          <a:lnRef idx="1">
+            <a:schemeClr val="accent1"/>
+          </a:lnRef>
+          <a:fillRef idx="0">
+            <a:schemeClr val="accent1"/>
+          </a:fillRef>
+          <a:effectRef idx="0">
+            <a:schemeClr val="accent1"/>
+          </a:effectRef>
+          <a:fontRef idx="minor">
+            <a:schemeClr val="tx1"/>
+          </a:fontRef>
+        </p:style>
+      </p:cxnSp>
+      <p:sp>
+        <p:nvSpPr>
+          <p:cNvPr id="137" name="TextBox 136">
+            <a:extLst>
+              <a:ext uri="{FF2B5EF4-FFF2-40B4-BE49-F238E27FC236}">
+                <a16:creationId xmlns:a16="http://schemas.microsoft.com/office/drawing/2014/main" id="{0AF948D7-5799-F14E-966C-59B7CE8A5275}"/>
+              </a:ext>
+            </a:extLst>
+          </p:cNvPr>
+          <p:cNvSpPr txBox="1"/>
+          <p:nvPr/>
+        </p:nvSpPr>
+        <p:spPr>
+          <a:xfrm>
+            <a:off x="8392895" y="3889795"/>
+            <a:ext cx="835599" cy="261610"/>
+          </a:xfrm>
+          <a:prstGeom prst="rect">
+            <a:avLst/>
+          </a:prstGeom>
+          <a:noFill/>
+        </p:spPr>
+        <p:txBody>
+          <a:bodyPr wrap="square" rtlCol="0">
+            <a:spAutoFit/>
+          </a:bodyPr>
+          <a:lstStyle/>
+          <a:p>
+            <a:r>
+              <a:rPr lang="en-US" sz="1100" dirty="0"/>
+              <a:t>connected</a:t>
+            </a:r>
+          </a:p>
+        </p:txBody>
+      </p:sp>
+      <p:sp>
+        <p:nvSpPr>
+          <p:cNvPr id="138" name="Diamond 137">
+            <a:extLst>
+              <a:ext uri="{FF2B5EF4-FFF2-40B4-BE49-F238E27FC236}">
+                <a16:creationId xmlns:a16="http://schemas.microsoft.com/office/drawing/2014/main" id="{F445381B-222F-7E47-B4AD-4965B5FB973D}"/>
+              </a:ext>
+            </a:extLst>
+          </p:cNvPr>
+          <p:cNvSpPr/>
+          <p:nvPr/>
+        </p:nvSpPr>
+        <p:spPr>
+          <a:xfrm>
+            <a:off x="9517140" y="3987195"/>
+            <a:ext cx="315686" cy="293251"/>
+          </a:xfrm>
+          <a:prstGeom prst="diamond">
+            <a:avLst/>
+          </a:prstGeom>
+        </p:spPr>
+        <p:style>
+          <a:lnRef idx="2">
+            <a:schemeClr val="accent1">
+              <a:shade val="50000"/>
+            </a:schemeClr>
+          </a:lnRef>
+          <a:fillRef idx="1">
+            <a:schemeClr val="accent1"/>
+          </a:fillRef>
+          <a:effectRef idx="0">
+            <a:schemeClr val="accent1"/>
+          </a:effectRef>
+          <a:fontRef idx="minor">
+            <a:schemeClr val="lt1"/>
+          </a:fontRef>
+        </p:style>
+        <p:txBody>
+          <a:bodyPr rtlCol="0" anchor="ctr"/>
+          <a:lstStyle/>
+          <a:p>
+            <a:pPr algn="ctr"/>
+            <a:endParaRPr lang="en-US"/>
+          </a:p>
+        </p:txBody>
+      </p:sp>
+      <p:sp>
+        <p:nvSpPr>
+          <p:cNvPr id="141" name="Diamond 140">
+            <a:extLst>
+              <a:ext uri="{FF2B5EF4-FFF2-40B4-BE49-F238E27FC236}">
+                <a16:creationId xmlns:a16="http://schemas.microsoft.com/office/drawing/2014/main" id="{11D7AE4D-8270-9B44-B9FB-91472F161D8D}"/>
+              </a:ext>
+            </a:extLst>
+          </p:cNvPr>
+          <p:cNvSpPr/>
+          <p:nvPr/>
+        </p:nvSpPr>
+        <p:spPr>
+          <a:xfrm>
+            <a:off x="9319321" y="4311487"/>
+            <a:ext cx="315686" cy="293251"/>
+          </a:xfrm>
+          <a:prstGeom prst="diamond">
+            <a:avLst/>
+          </a:prstGeom>
+        </p:spPr>
+        <p:style>
+          <a:lnRef idx="2">
+            <a:schemeClr val="accent1">
+              <a:shade val="50000"/>
+            </a:schemeClr>
+          </a:lnRef>
+          <a:fillRef idx="1">
+            <a:schemeClr val="accent1"/>
+          </a:fillRef>
+          <a:effectRef idx="0">
+            <a:schemeClr val="accent1"/>
+          </a:effectRef>
+          <a:fontRef idx="minor">
+            <a:schemeClr val="lt1"/>
+          </a:fontRef>
+        </p:style>
+        <p:txBody>
+          <a:bodyPr rtlCol="0" anchor="ctr"/>
+          <a:lstStyle/>
+          <a:p>
+            <a:pPr algn="ctr"/>
+            <a:endParaRPr lang="en-US"/>
+          </a:p>
+        </p:txBody>
+      </p:sp>
+      <p:cxnSp>
+        <p:nvCxnSpPr>
+          <p:cNvPr id="142" name="Straight Arrow Connector 141">
+            <a:extLst>
+              <a:ext uri="{FF2B5EF4-FFF2-40B4-BE49-F238E27FC236}">
+                <a16:creationId xmlns:a16="http://schemas.microsoft.com/office/drawing/2014/main" id="{4846C818-E7AB-5F44-ACFB-B49DFEAE2BEA}"/>
+              </a:ext>
+            </a:extLst>
+          </p:cNvPr>
+          <p:cNvCxnSpPr>
+            <a:cxnSpLocks/>
+            <a:endCxn id="141" idx="1"/>
+          </p:cNvCxnSpPr>
+          <p:nvPr/>
+        </p:nvCxnSpPr>
+        <p:spPr>
+          <a:xfrm>
+            <a:off x="8166575" y="4445960"/>
+            <a:ext cx="1152746" cy="12153"/>
+          </a:xfrm>
+          <a:prstGeom prst="straightConnector1">
+            <a:avLst/>
+          </a:prstGeom>
+          <a:ln>
+            <a:tailEnd type="triangle"/>
+          </a:ln>
+        </p:spPr>
+        <p:style>
+          <a:lnRef idx="1">
+            <a:schemeClr val="accent1"/>
+          </a:lnRef>
+          <a:fillRef idx="0">
+            <a:schemeClr val="accent1"/>
+          </a:fillRef>
+          <a:effectRef idx="0">
+            <a:schemeClr val="accent1"/>
+          </a:effectRef>
+          <a:fontRef idx="minor">
+            <a:schemeClr val="tx1"/>
+          </a:fontRef>
+        </p:style>
+      </p:cxnSp>
+      <p:sp>
+        <p:nvSpPr>
+          <p:cNvPr id="144" name="TextBox 143">
+            <a:extLst>
+              <a:ext uri="{FF2B5EF4-FFF2-40B4-BE49-F238E27FC236}">
+                <a16:creationId xmlns:a16="http://schemas.microsoft.com/office/drawing/2014/main" id="{E22359FA-FA8F-A141-A294-423DBBE5860D}"/>
+              </a:ext>
+            </a:extLst>
+          </p:cNvPr>
+          <p:cNvSpPr txBox="1"/>
+          <p:nvPr/>
+        </p:nvSpPr>
+        <p:spPr>
+          <a:xfrm>
+            <a:off x="8210780" y="4219474"/>
+            <a:ext cx="1363054" cy="261610"/>
+          </a:xfrm>
+          <a:prstGeom prst="rect">
+            <a:avLst/>
+          </a:prstGeom>
+          <a:noFill/>
+        </p:spPr>
+        <p:txBody>
+          <a:bodyPr wrap="square" rtlCol="0">
+            <a:spAutoFit/>
+          </a:bodyPr>
+          <a:lstStyle/>
+          <a:p>
+            <a:r>
+              <a:rPr lang="en-US" sz="1100" dirty="0"/>
+              <a:t>connection error</a:t>
+            </a:r>
+          </a:p>
+        </p:txBody>
+      </p:sp>
+      <p:cxnSp>
+        <p:nvCxnSpPr>
+          <p:cNvPr id="145" name="Elbow Connector 144">
+            <a:extLst>
+              <a:ext uri="{FF2B5EF4-FFF2-40B4-BE49-F238E27FC236}">
+                <a16:creationId xmlns:a16="http://schemas.microsoft.com/office/drawing/2014/main" id="{238DA618-517E-C843-9B7A-8F7A650A0128}"/>
+              </a:ext>
+            </a:extLst>
+          </p:cNvPr>
+          <p:cNvCxnSpPr>
+            <a:cxnSpLocks/>
+            <a:stCxn id="141" idx="2"/>
+          </p:cNvCxnSpPr>
+          <p:nvPr/>
+        </p:nvCxnSpPr>
+        <p:spPr>
+          <a:xfrm rot="5400000">
+            <a:off x="6672856" y="1943152"/>
+            <a:ext cx="142723" cy="5465894"/>
+          </a:xfrm>
+          <a:prstGeom prst="bentConnector2">
+            <a:avLst/>
+          </a:prstGeom>
+          <a:ln>
+            <a:tailEnd type="triangle"/>
+          </a:ln>
+        </p:spPr>
+        <p:style>
+          <a:lnRef idx="1">
+            <a:schemeClr val="accent1"/>
+          </a:lnRef>
+          <a:fillRef idx="0">
+            <a:schemeClr val="accent1"/>
+          </a:fillRef>
+          <a:effectRef idx="0">
+            <a:schemeClr val="accent1"/>
+          </a:effectRef>
+          <a:fontRef idx="minor">
+            <a:schemeClr val="tx1"/>
+          </a:fontRef>
+        </p:style>
+      </p:cxnSp>
+      <p:sp>
+        <p:nvSpPr>
+          <p:cNvPr id="149" name="TextBox 148">
+            <a:extLst>
+              <a:ext uri="{FF2B5EF4-FFF2-40B4-BE49-F238E27FC236}">
+                <a16:creationId xmlns:a16="http://schemas.microsoft.com/office/drawing/2014/main" id="{99113DBC-CCA2-6349-BEC0-63DD6982A603}"/>
+              </a:ext>
+            </a:extLst>
+          </p:cNvPr>
+          <p:cNvSpPr txBox="1"/>
+          <p:nvPr/>
+        </p:nvSpPr>
+        <p:spPr>
+          <a:xfrm>
+            <a:off x="4239847" y="4554326"/>
+            <a:ext cx="835599" cy="261610"/>
+          </a:xfrm>
+          <a:prstGeom prst="rect">
+            <a:avLst/>
+          </a:prstGeom>
+          <a:noFill/>
+        </p:spPr>
+        <p:txBody>
+          <a:bodyPr wrap="square" rtlCol="0">
+            <a:spAutoFit/>
+          </a:bodyPr>
+          <a:lstStyle/>
+          <a:p>
+            <a:r>
+              <a:rPr lang="en-US" sz="1100" dirty="0"/>
+              <a:t>200 OK</a:t>
+            </a:r>
+          </a:p>
+        </p:txBody>
+      </p:sp>
+    </p:spTree>
+    <p:extLst>
+      <p:ext uri="{BB962C8B-B14F-4D97-AF65-F5344CB8AC3E}">
+        <p14:creationId xmlns:p14="http://schemas.microsoft.com/office/powerpoint/2010/main" val="2573171958"/>
+      </p:ext>
+    </p:extLst>
+  </p:cSld>
+  <p:clrMapOvr>
+    <a:masterClrMapping/>
+  </p:clrMapOvr>
+</p:sld>
+</file>
+
 <file path=ppt/theme/theme1.xml><?xml version="1.0" encoding="utf-8"?>
 <a:theme xmlns:a="http://schemas.openxmlformats.org/drawingml/2006/main" name="Office Theme">
   <a:themeElements>

--- a/MythicalHP.pptx
+++ b/MythicalHP.pptx
@@ -8,6 +8,7 @@
     <p:sldId id="257" r:id="rId2"/>
     <p:sldId id="258" r:id="rId3"/>
     <p:sldId id="259" r:id="rId4"/>
+    <p:sldId id="260" r:id="rId5"/>
   </p:sldIdLst>
   <p:sldSz cx="12192000" cy="6858000"/>
   <p:notesSz cx="6858000" cy="9144000"/>
@@ -7977,6 +7978,697 @@
 </p:sld>
 </file>
 
+<file path=ppt/slides/slide4.xml><?xml version="1.0" encoding="utf-8"?>
+<p:sld xmlns:a="http://schemas.openxmlformats.org/drawingml/2006/main" xmlns:r="http://schemas.openxmlformats.org/officeDocument/2006/relationships" xmlns:p="http://schemas.openxmlformats.org/presentationml/2006/main">
+  <p:cSld>
+    <p:spTree>
+      <p:nvGrpSpPr>
+        <p:cNvPr id="1" name=""/>
+        <p:cNvGrpSpPr/>
+        <p:nvPr/>
+      </p:nvGrpSpPr>
+      <p:grpSpPr>
+        <a:xfrm>
+          <a:off x="0" y="0"/>
+          <a:ext cx="0" cy="0"/>
+          <a:chOff x="0" y="0"/>
+          <a:chExt cx="0" cy="0"/>
+        </a:xfrm>
+      </p:grpSpPr>
+      <p:pic>
+        <p:nvPicPr>
+          <p:cNvPr id="4" name="Picture 3">
+            <a:extLst>
+              <a:ext uri="{FF2B5EF4-FFF2-40B4-BE49-F238E27FC236}">
+                <a16:creationId xmlns:a16="http://schemas.microsoft.com/office/drawing/2014/main" id="{0F2A4C89-B69B-9C47-9922-B2A280626F20}"/>
+              </a:ext>
+            </a:extLst>
+          </p:cNvPr>
+          <p:cNvPicPr>
+            <a:picLocks noChangeAspect="1"/>
+          </p:cNvPicPr>
+          <p:nvPr/>
+        </p:nvPicPr>
+        <p:blipFill>
+          <a:blip r:embed="rId2"/>
+          <a:stretch>
+            <a:fillRect/>
+          </a:stretch>
+        </p:blipFill>
+        <p:spPr>
+          <a:xfrm>
+            <a:off x="0" y="1116330"/>
+            <a:ext cx="12192000" cy="4625340"/>
+          </a:xfrm>
+          <a:prstGeom prst="rect">
+            <a:avLst/>
+          </a:prstGeom>
+        </p:spPr>
+      </p:pic>
+      <p:sp>
+        <p:nvSpPr>
+          <p:cNvPr id="5" name="Rounded Rectangular Callout 4">
+            <a:extLst>
+              <a:ext uri="{FF2B5EF4-FFF2-40B4-BE49-F238E27FC236}">
+                <a16:creationId xmlns:a16="http://schemas.microsoft.com/office/drawing/2014/main" id="{449E5CA7-F493-EB44-8A9C-55395C57B64C}"/>
+              </a:ext>
+            </a:extLst>
+          </p:cNvPr>
+          <p:cNvSpPr/>
+          <p:nvPr/>
+        </p:nvSpPr>
+        <p:spPr>
+          <a:xfrm>
+            <a:off x="2318657" y="402771"/>
+            <a:ext cx="1240972" cy="544286"/>
+          </a:xfrm>
+          <a:prstGeom prst="wedgeRoundRectCallout">
+            <a:avLst>
+              <a:gd name="adj1" fmla="val -8552"/>
+              <a:gd name="adj2" fmla="val 130500"/>
+              <a:gd name="adj3" fmla="val 16667"/>
+            </a:avLst>
+          </a:prstGeom>
+        </p:spPr>
+        <p:style>
+          <a:lnRef idx="2">
+            <a:schemeClr val="accent1">
+              <a:shade val="50000"/>
+            </a:schemeClr>
+          </a:lnRef>
+          <a:fillRef idx="1">
+            <a:schemeClr val="accent1"/>
+          </a:fillRef>
+          <a:effectRef idx="0">
+            <a:schemeClr val="accent1"/>
+          </a:effectRef>
+          <a:fontRef idx="minor">
+            <a:schemeClr val="lt1"/>
+          </a:fontRef>
+        </p:style>
+        <p:txBody>
+          <a:bodyPr rtlCol="0" anchor="ctr"/>
+          <a:lstStyle/>
+          <a:p>
+            <a:pPr algn="ctr"/>
+            <a:r>
+              <a:rPr lang="en-US" dirty="0"/>
+              <a:t>Secondary</a:t>
+            </a:r>
+          </a:p>
+        </p:txBody>
+      </p:sp>
+      <p:sp>
+        <p:nvSpPr>
+          <p:cNvPr id="6" name="Rounded Rectangular Callout 5">
+            <a:extLst>
+              <a:ext uri="{FF2B5EF4-FFF2-40B4-BE49-F238E27FC236}">
+                <a16:creationId xmlns:a16="http://schemas.microsoft.com/office/drawing/2014/main" id="{2A7F13B0-2728-B64B-BAD2-1D63091791A2}"/>
+              </a:ext>
+            </a:extLst>
+          </p:cNvPr>
+          <p:cNvSpPr/>
+          <p:nvPr/>
+        </p:nvSpPr>
+        <p:spPr>
+          <a:xfrm>
+            <a:off x="8175171" y="326571"/>
+            <a:ext cx="1240972" cy="544286"/>
+          </a:xfrm>
+          <a:prstGeom prst="wedgeRoundRectCallout">
+            <a:avLst>
+              <a:gd name="adj1" fmla="val -8552"/>
+              <a:gd name="adj2" fmla="val 130500"/>
+              <a:gd name="adj3" fmla="val 16667"/>
+            </a:avLst>
+          </a:prstGeom>
+        </p:spPr>
+        <p:style>
+          <a:lnRef idx="2">
+            <a:schemeClr val="accent1">
+              <a:shade val="50000"/>
+            </a:schemeClr>
+          </a:lnRef>
+          <a:fillRef idx="1">
+            <a:schemeClr val="accent1"/>
+          </a:fillRef>
+          <a:effectRef idx="0">
+            <a:schemeClr val="accent1"/>
+          </a:effectRef>
+          <a:fontRef idx="minor">
+            <a:schemeClr val="lt1"/>
+          </a:fontRef>
+        </p:style>
+        <p:txBody>
+          <a:bodyPr rtlCol="0" anchor="ctr"/>
+          <a:lstStyle/>
+          <a:p>
+            <a:pPr algn="ctr"/>
+            <a:r>
+              <a:rPr lang="en-US" dirty="0"/>
+              <a:t>Primary</a:t>
+            </a:r>
+          </a:p>
+        </p:txBody>
+      </p:sp>
+      <p:sp>
+        <p:nvSpPr>
+          <p:cNvPr id="9" name="Rounded Rectangular Callout 8">
+            <a:extLst>
+              <a:ext uri="{FF2B5EF4-FFF2-40B4-BE49-F238E27FC236}">
+                <a16:creationId xmlns:a16="http://schemas.microsoft.com/office/drawing/2014/main" id="{B2502650-4DAE-3E4B-BA22-7034FA8F4576}"/>
+              </a:ext>
+            </a:extLst>
+          </p:cNvPr>
+          <p:cNvSpPr/>
+          <p:nvPr/>
+        </p:nvSpPr>
+        <p:spPr>
+          <a:xfrm>
+            <a:off x="8469086" y="3657599"/>
+            <a:ext cx="1828800" cy="881743"/>
+          </a:xfrm>
+          <a:prstGeom prst="wedgeRoundRectCallout">
+            <a:avLst>
+              <a:gd name="adj1" fmla="val -150657"/>
+              <a:gd name="adj2" fmla="val -263500"/>
+              <a:gd name="adj3" fmla="val 16667"/>
+            </a:avLst>
+          </a:prstGeom>
+        </p:spPr>
+        <p:style>
+          <a:lnRef idx="2">
+            <a:schemeClr val="accent1">
+              <a:shade val="50000"/>
+            </a:schemeClr>
+          </a:lnRef>
+          <a:fillRef idx="1">
+            <a:schemeClr val="accent1"/>
+          </a:fillRef>
+          <a:effectRef idx="0">
+            <a:schemeClr val="accent1"/>
+          </a:effectRef>
+          <a:fontRef idx="minor">
+            <a:schemeClr val="lt1"/>
+          </a:fontRef>
+        </p:style>
+        <p:txBody>
+          <a:bodyPr rtlCol="0" anchor="ctr"/>
+          <a:lstStyle/>
+          <a:p>
+            <a:pPr algn="ctr"/>
+            <a:r>
+              <a:rPr lang="en-US" dirty="0"/>
+              <a:t>Endpoint closed on primary</a:t>
+            </a:r>
+          </a:p>
+        </p:txBody>
+      </p:sp>
+      <p:sp>
+        <p:nvSpPr>
+          <p:cNvPr id="10" name="Rounded Rectangular Callout 9">
+            <a:extLst>
+              <a:ext uri="{FF2B5EF4-FFF2-40B4-BE49-F238E27FC236}">
+                <a16:creationId xmlns:a16="http://schemas.microsoft.com/office/drawing/2014/main" id="{8BBE519D-A788-414F-AC3B-3C6984EA1ECE}"/>
+              </a:ext>
+            </a:extLst>
+          </p:cNvPr>
+          <p:cNvSpPr/>
+          <p:nvPr/>
+        </p:nvSpPr>
+        <p:spPr>
+          <a:xfrm>
+            <a:off x="5257799" y="4746172"/>
+            <a:ext cx="1850571" cy="544286"/>
+          </a:xfrm>
+          <a:prstGeom prst="wedgeRoundRectCallout">
+            <a:avLst>
+              <a:gd name="adj1" fmla="val -104775"/>
+              <a:gd name="adj2" fmla="val -265500"/>
+              <a:gd name="adj3" fmla="val 16667"/>
+            </a:avLst>
+          </a:prstGeom>
+        </p:spPr>
+        <p:style>
+          <a:lnRef idx="2">
+            <a:schemeClr val="accent1">
+              <a:shade val="50000"/>
+            </a:schemeClr>
+          </a:lnRef>
+          <a:fillRef idx="1">
+            <a:schemeClr val="accent1"/>
+          </a:fillRef>
+          <a:effectRef idx="0">
+            <a:schemeClr val="accent1"/>
+          </a:effectRef>
+          <a:fontRef idx="minor">
+            <a:schemeClr val="lt1"/>
+          </a:fontRef>
+        </p:style>
+        <p:txBody>
+          <a:bodyPr rtlCol="0" anchor="ctr"/>
+          <a:lstStyle/>
+          <a:p>
+            <a:pPr algn="ctr"/>
+            <a:r>
+              <a:rPr lang="en-US" dirty="0"/>
+              <a:t>tcp connection from secondary</a:t>
+            </a:r>
+          </a:p>
+        </p:txBody>
+      </p:sp>
+      <p:sp>
+        <p:nvSpPr>
+          <p:cNvPr id="11" name="Rounded Rectangular Callout 10">
+            <a:extLst>
+              <a:ext uri="{FF2B5EF4-FFF2-40B4-BE49-F238E27FC236}">
+                <a16:creationId xmlns:a16="http://schemas.microsoft.com/office/drawing/2014/main" id="{91EF9E9C-C2F7-A048-B1A6-952F0B1B8A1C}"/>
+              </a:ext>
+            </a:extLst>
+          </p:cNvPr>
+          <p:cNvSpPr/>
+          <p:nvPr/>
+        </p:nvSpPr>
+        <p:spPr>
+          <a:xfrm>
+            <a:off x="740227" y="5469527"/>
+            <a:ext cx="1850571" cy="544286"/>
+          </a:xfrm>
+          <a:prstGeom prst="wedgeRoundRectCallout">
+            <a:avLst>
+              <a:gd name="adj1" fmla="val 95813"/>
+              <a:gd name="adj2" fmla="val -355500"/>
+              <a:gd name="adj3" fmla="val 16667"/>
+            </a:avLst>
+          </a:prstGeom>
+        </p:spPr>
+        <p:style>
+          <a:lnRef idx="2">
+            <a:schemeClr val="accent1">
+              <a:shade val="50000"/>
+            </a:schemeClr>
+          </a:lnRef>
+          <a:fillRef idx="1">
+            <a:schemeClr val="accent1"/>
+          </a:fillRef>
+          <a:effectRef idx="0">
+            <a:schemeClr val="accent1"/>
+          </a:effectRef>
+          <a:fontRef idx="minor">
+            <a:schemeClr val="lt1"/>
+          </a:fontRef>
+        </p:style>
+        <p:txBody>
+          <a:bodyPr rtlCol="0" anchor="ctr"/>
+          <a:lstStyle/>
+          <a:p>
+            <a:pPr algn="ctr"/>
+            <a:r>
+              <a:rPr lang="en-US" dirty="0"/>
+              <a:t>Secondary takes over</a:t>
+            </a:r>
+          </a:p>
+        </p:txBody>
+      </p:sp>
+      <p:sp>
+        <p:nvSpPr>
+          <p:cNvPr id="12" name="Rounded Rectangular Callout 11">
+            <a:extLst>
+              <a:ext uri="{FF2B5EF4-FFF2-40B4-BE49-F238E27FC236}">
+                <a16:creationId xmlns:a16="http://schemas.microsoft.com/office/drawing/2014/main" id="{A630E1B3-64B9-E146-9FF2-8C842BAF6FC4}"/>
+              </a:ext>
+            </a:extLst>
+          </p:cNvPr>
+          <p:cNvSpPr/>
+          <p:nvPr/>
+        </p:nvSpPr>
+        <p:spPr>
+          <a:xfrm>
+            <a:off x="9927772" y="4699634"/>
+            <a:ext cx="1828800" cy="881743"/>
+          </a:xfrm>
+          <a:prstGeom prst="wedgeRoundRectCallout">
+            <a:avLst>
+              <a:gd name="adj1" fmla="val -54228"/>
+              <a:gd name="adj2" fmla="val -256093"/>
+              <a:gd name="adj3" fmla="val 16667"/>
+            </a:avLst>
+          </a:prstGeom>
+        </p:spPr>
+        <p:style>
+          <a:lnRef idx="2">
+            <a:schemeClr val="accent1">
+              <a:shade val="50000"/>
+            </a:schemeClr>
+          </a:lnRef>
+          <a:fillRef idx="1">
+            <a:schemeClr val="accent1"/>
+          </a:fillRef>
+          <a:effectRef idx="0">
+            <a:schemeClr val="accent1"/>
+          </a:effectRef>
+          <a:fontRef idx="minor">
+            <a:schemeClr val="lt1"/>
+          </a:fontRef>
+        </p:style>
+        <p:txBody>
+          <a:bodyPr rtlCol="0" anchor="ctr"/>
+          <a:lstStyle/>
+          <a:p>
+            <a:pPr algn="ctr"/>
+            <a:r>
+              <a:rPr lang="en-US" dirty="0"/>
+              <a:t>Primary is back</a:t>
+            </a:r>
+          </a:p>
+        </p:txBody>
+      </p:sp>
+      <p:sp>
+        <p:nvSpPr>
+          <p:cNvPr id="13" name="Rounded Rectangular Callout 12">
+            <a:extLst>
+              <a:ext uri="{FF2B5EF4-FFF2-40B4-BE49-F238E27FC236}">
+                <a16:creationId xmlns:a16="http://schemas.microsoft.com/office/drawing/2014/main" id="{794C18B1-0797-A846-AF7E-AF213AADE8A1}"/>
+              </a:ext>
+            </a:extLst>
+          </p:cNvPr>
+          <p:cNvSpPr/>
+          <p:nvPr/>
+        </p:nvSpPr>
+        <p:spPr>
+          <a:xfrm>
+            <a:off x="4310743" y="5900058"/>
+            <a:ext cx="1828800" cy="881743"/>
+          </a:xfrm>
+          <a:prstGeom prst="wedgeRoundRectCallout">
+            <a:avLst>
+              <a:gd name="adj1" fmla="val -61371"/>
+              <a:gd name="adj2" fmla="val -135105"/>
+              <a:gd name="adj3" fmla="val 16667"/>
+            </a:avLst>
+          </a:prstGeom>
+        </p:spPr>
+        <p:style>
+          <a:lnRef idx="2">
+            <a:schemeClr val="accent1">
+              <a:shade val="50000"/>
+            </a:schemeClr>
+          </a:lnRef>
+          <a:fillRef idx="1">
+            <a:schemeClr val="accent1"/>
+          </a:fillRef>
+          <a:effectRef idx="0">
+            <a:schemeClr val="accent1"/>
+          </a:effectRef>
+          <a:fontRef idx="minor">
+            <a:schemeClr val="lt1"/>
+          </a:fontRef>
+        </p:style>
+        <p:txBody>
+          <a:bodyPr rtlCol="0" anchor="ctr"/>
+          <a:lstStyle/>
+          <a:p>
+            <a:pPr algn="ctr"/>
+            <a:r>
+              <a:rPr lang="en-US" dirty="0"/>
+              <a:t>Secondary Stops</a:t>
+            </a:r>
+          </a:p>
+        </p:txBody>
+      </p:sp>
+      <p:sp>
+        <p:nvSpPr>
+          <p:cNvPr id="14" name="Oval 13">
+            <a:extLst>
+              <a:ext uri="{FF2B5EF4-FFF2-40B4-BE49-F238E27FC236}">
+                <a16:creationId xmlns:a16="http://schemas.microsoft.com/office/drawing/2014/main" id="{7DF18484-CA09-974B-A8EB-38D532F90D7B}"/>
+              </a:ext>
+            </a:extLst>
+          </p:cNvPr>
+          <p:cNvSpPr/>
+          <p:nvPr/>
+        </p:nvSpPr>
+        <p:spPr>
+          <a:xfrm>
+            <a:off x="8175171" y="3717470"/>
+            <a:ext cx="435427" cy="381000"/>
+          </a:xfrm>
+          <a:prstGeom prst="ellipse">
+            <a:avLst/>
+          </a:prstGeom>
+          <a:solidFill>
+            <a:srgbClr val="FF0000"/>
+          </a:solidFill>
+        </p:spPr>
+        <p:style>
+          <a:lnRef idx="2">
+            <a:schemeClr val="accent1">
+              <a:shade val="50000"/>
+            </a:schemeClr>
+          </a:lnRef>
+          <a:fillRef idx="1">
+            <a:schemeClr val="accent1"/>
+          </a:fillRef>
+          <a:effectRef idx="0">
+            <a:schemeClr val="accent1"/>
+          </a:effectRef>
+          <a:fontRef idx="minor">
+            <a:schemeClr val="lt1"/>
+          </a:fontRef>
+        </p:style>
+        <p:txBody>
+          <a:bodyPr rtlCol="0" anchor="ctr"/>
+          <a:lstStyle/>
+          <a:p>
+            <a:pPr algn="ctr"/>
+            <a:r>
+              <a:rPr lang="en-US" dirty="0"/>
+              <a:t>1</a:t>
+            </a:r>
+          </a:p>
+        </p:txBody>
+      </p:sp>
+      <p:sp>
+        <p:nvSpPr>
+          <p:cNvPr id="15" name="Oval 14">
+            <a:extLst>
+              <a:ext uri="{FF2B5EF4-FFF2-40B4-BE49-F238E27FC236}">
+                <a16:creationId xmlns:a16="http://schemas.microsoft.com/office/drawing/2014/main" id="{A534112A-BB49-7647-94DE-FA654D21F008}"/>
+              </a:ext>
+            </a:extLst>
+          </p:cNvPr>
+          <p:cNvSpPr/>
+          <p:nvPr/>
+        </p:nvSpPr>
+        <p:spPr>
+          <a:xfrm>
+            <a:off x="5410199" y="4397284"/>
+            <a:ext cx="435427" cy="381000"/>
+          </a:xfrm>
+          <a:prstGeom prst="ellipse">
+            <a:avLst/>
+          </a:prstGeom>
+          <a:solidFill>
+            <a:srgbClr val="FF0000"/>
+          </a:solidFill>
+        </p:spPr>
+        <p:style>
+          <a:lnRef idx="2">
+            <a:schemeClr val="accent1">
+              <a:shade val="50000"/>
+            </a:schemeClr>
+          </a:lnRef>
+          <a:fillRef idx="1">
+            <a:schemeClr val="accent1"/>
+          </a:fillRef>
+          <a:effectRef idx="0">
+            <a:schemeClr val="accent1"/>
+          </a:effectRef>
+          <a:fontRef idx="minor">
+            <a:schemeClr val="lt1"/>
+          </a:fontRef>
+        </p:style>
+        <p:txBody>
+          <a:bodyPr rtlCol="0" anchor="ctr"/>
+          <a:lstStyle/>
+          <a:p>
+            <a:pPr algn="ctr"/>
+            <a:r>
+              <a:rPr lang="en-US" dirty="0"/>
+              <a:t>2</a:t>
+            </a:r>
+          </a:p>
+        </p:txBody>
+      </p:sp>
+      <p:sp>
+        <p:nvSpPr>
+          <p:cNvPr id="16" name="Oval 15">
+            <a:extLst>
+              <a:ext uri="{FF2B5EF4-FFF2-40B4-BE49-F238E27FC236}">
+                <a16:creationId xmlns:a16="http://schemas.microsoft.com/office/drawing/2014/main" id="{BE44A9F0-31C0-8941-A463-268D89323795}"/>
+              </a:ext>
+            </a:extLst>
+          </p:cNvPr>
+          <p:cNvSpPr/>
+          <p:nvPr/>
+        </p:nvSpPr>
+        <p:spPr>
+          <a:xfrm>
+            <a:off x="740227" y="5709558"/>
+            <a:ext cx="413655" cy="381000"/>
+          </a:xfrm>
+          <a:prstGeom prst="ellipse">
+            <a:avLst/>
+          </a:prstGeom>
+          <a:solidFill>
+            <a:srgbClr val="FF0000"/>
+          </a:solidFill>
+        </p:spPr>
+        <p:style>
+          <a:lnRef idx="2">
+            <a:schemeClr val="accent1">
+              <a:shade val="50000"/>
+            </a:schemeClr>
+          </a:lnRef>
+          <a:fillRef idx="1">
+            <a:schemeClr val="accent1"/>
+          </a:fillRef>
+          <a:effectRef idx="0">
+            <a:schemeClr val="accent1"/>
+          </a:effectRef>
+          <a:fontRef idx="minor">
+            <a:schemeClr val="lt1"/>
+          </a:fontRef>
+        </p:style>
+        <p:txBody>
+          <a:bodyPr rtlCol="0" anchor="ctr"/>
+          <a:lstStyle/>
+          <a:p>
+            <a:pPr algn="ctr"/>
+            <a:r>
+              <a:rPr lang="en-US" dirty="0"/>
+              <a:t>3</a:t>
+            </a:r>
+          </a:p>
+        </p:txBody>
+      </p:sp>
+      <p:sp>
+        <p:nvSpPr>
+          <p:cNvPr id="17" name="Oval 16">
+            <a:extLst>
+              <a:ext uri="{FF2B5EF4-FFF2-40B4-BE49-F238E27FC236}">
+                <a16:creationId xmlns:a16="http://schemas.microsoft.com/office/drawing/2014/main" id="{3801D5FD-C392-A744-96EF-1317B1C0650B}"/>
+              </a:ext>
+            </a:extLst>
+          </p:cNvPr>
+          <p:cNvSpPr/>
+          <p:nvPr/>
+        </p:nvSpPr>
+        <p:spPr>
+          <a:xfrm>
+            <a:off x="10406745" y="5232491"/>
+            <a:ext cx="435427" cy="381000"/>
+          </a:xfrm>
+          <a:prstGeom prst="ellipse">
+            <a:avLst/>
+          </a:prstGeom>
+          <a:solidFill>
+            <a:srgbClr val="FF0000"/>
+          </a:solidFill>
+        </p:spPr>
+        <p:style>
+          <a:lnRef idx="2">
+            <a:schemeClr val="accent1">
+              <a:shade val="50000"/>
+            </a:schemeClr>
+          </a:lnRef>
+          <a:fillRef idx="1">
+            <a:schemeClr val="accent1"/>
+          </a:fillRef>
+          <a:effectRef idx="0">
+            <a:schemeClr val="accent1"/>
+          </a:effectRef>
+          <a:fontRef idx="minor">
+            <a:schemeClr val="lt1"/>
+          </a:fontRef>
+        </p:style>
+        <p:txBody>
+          <a:bodyPr rtlCol="0" anchor="ctr"/>
+          <a:lstStyle/>
+          <a:p>
+            <a:pPr algn="ctr"/>
+            <a:r>
+              <a:rPr lang="en-US" dirty="0"/>
+              <a:t>4</a:t>
+            </a:r>
+          </a:p>
+        </p:txBody>
+      </p:sp>
+      <p:sp>
+        <p:nvSpPr>
+          <p:cNvPr id="18" name="Oval 17">
+            <a:extLst>
+              <a:ext uri="{FF2B5EF4-FFF2-40B4-BE49-F238E27FC236}">
+                <a16:creationId xmlns:a16="http://schemas.microsoft.com/office/drawing/2014/main" id="{8CA6E7A0-53C5-D246-B49F-E67DC79BC7F8}"/>
+              </a:ext>
+            </a:extLst>
+          </p:cNvPr>
+          <p:cNvSpPr/>
+          <p:nvPr/>
+        </p:nvSpPr>
+        <p:spPr>
+          <a:xfrm>
+            <a:off x="5606144" y="5796643"/>
+            <a:ext cx="435427" cy="381000"/>
+          </a:xfrm>
+          <a:prstGeom prst="ellipse">
+            <a:avLst/>
+          </a:prstGeom>
+          <a:solidFill>
+            <a:srgbClr val="FF0000"/>
+          </a:solidFill>
+        </p:spPr>
+        <p:style>
+          <a:lnRef idx="2">
+            <a:schemeClr val="accent1">
+              <a:shade val="50000"/>
+            </a:schemeClr>
+          </a:lnRef>
+          <a:fillRef idx="1">
+            <a:schemeClr val="accent1"/>
+          </a:fillRef>
+          <a:effectRef idx="0">
+            <a:schemeClr val="accent1"/>
+          </a:effectRef>
+          <a:fontRef idx="minor">
+            <a:schemeClr val="lt1"/>
+          </a:fontRef>
+        </p:style>
+        <p:txBody>
+          <a:bodyPr rtlCol="0" anchor="ctr"/>
+          <a:lstStyle/>
+          <a:p>
+            <a:pPr algn="ctr"/>
+            <a:r>
+              <a:rPr lang="en-US" dirty="0"/>
+              <a:t>5</a:t>
+            </a:r>
+          </a:p>
+        </p:txBody>
+      </p:sp>
+    </p:spTree>
+    <p:extLst>
+      <p:ext uri="{BB962C8B-B14F-4D97-AF65-F5344CB8AC3E}">
+        <p14:creationId xmlns:p14="http://schemas.microsoft.com/office/powerpoint/2010/main" val="2707738848"/>
+      </p:ext>
+    </p:extLst>
+  </p:cSld>
+  <p:clrMapOvr>
+    <a:masterClrMapping/>
+  </p:clrMapOvr>
+</p:sld>
+</file>
+
 <file path=ppt/theme/theme1.xml><?xml version="1.0" encoding="utf-8"?>
 <a:theme xmlns:a="http://schemas.openxmlformats.org/drawingml/2006/main" name="Office Theme">
   <a:themeElements>
